--- a/Precipitation prediction.pptx
+++ b/Precipitation prediction.pptx
@@ -5,7 +5,7 @@
     <p:sldMasterId id="2147483746" r:id="rId1"/>
   </p:sldMasterIdLst>
   <p:notesMasterIdLst>
-    <p:notesMasterId r:id="rId14"/>
+    <p:notesMasterId r:id="rId15"/>
   </p:notesMasterIdLst>
   <p:sldIdLst>
     <p:sldId id="257" r:id="rId2"/>
@@ -17,9 +17,10 @@
     <p:sldId id="259" r:id="rId8"/>
     <p:sldId id="265" r:id="rId9"/>
     <p:sldId id="268" r:id="rId10"/>
-    <p:sldId id="264" r:id="rId11"/>
-    <p:sldId id="270" r:id="rId12"/>
-    <p:sldId id="267" r:id="rId13"/>
+    <p:sldId id="271" r:id="rId11"/>
+    <p:sldId id="264" r:id="rId12"/>
+    <p:sldId id="270" r:id="rId13"/>
+    <p:sldId id="267" r:id="rId14"/>
   </p:sldIdLst>
   <p:sldSz cx="12192000" cy="6858000"/>
   <p:notesSz cx="6858000" cy="9144000"/>
@@ -4554,6 +4555,205 @@
           <a:chExt cx="0" cy="0"/>
         </a:xfrm>
       </p:grpSpPr>
+      <p:pic>
+        <p:nvPicPr>
+          <p:cNvPr id="8" name="Online Media 7" title="Introduction to Capsules by Sara Sabour, Google">
+            <a:hlinkClick r:id="" action="ppaction://media"/>
+            <a:extLst>
+              <a:ext uri="{FF2B5EF4-FFF2-40B4-BE49-F238E27FC236}">
+                <a16:creationId xmlns:a16="http://schemas.microsoft.com/office/drawing/2014/main" id="{82992FD7-BE55-44EC-8700-268D3559D7F0}"/>
+              </a:ext>
+            </a:extLst>
+          </p:cNvPr>
+          <p:cNvPicPr>
+            <a:picLocks noGrp="1" noRot="1" noChangeAspect="1"/>
+          </p:cNvPicPr>
+          <p:nvPr>
+            <p:ph sz="half" idx="1"/>
+            <a:videoFile r:link="rId1"/>
+          </p:nvPr>
+        </p:nvPicPr>
+        <p:blipFill>
+          <a:blip r:embed="rId3"/>
+          <a:stretch>
+            <a:fillRect/>
+          </a:stretch>
+        </p:blipFill>
+        <p:spPr>
+          <a:xfrm>
+            <a:off x="764333" y="336885"/>
+            <a:ext cx="10415406" cy="5882940"/>
+          </a:xfrm>
+          <a:prstGeom prst="rect">
+            <a:avLst/>
+          </a:prstGeom>
+        </p:spPr>
+      </p:pic>
+    </p:spTree>
+    <p:extLst>
+      <p:ext uri="{BB962C8B-B14F-4D97-AF65-F5344CB8AC3E}">
+        <p14:creationId xmlns:p14="http://schemas.microsoft.com/office/powerpoint/2010/main" val="2370172735"/>
+      </p:ext>
+    </p:extLst>
+  </p:cSld>
+  <p:clrMapOvr>
+    <a:masterClrMapping/>
+  </p:clrMapOvr>
+  <p:timing>
+    <p:tnLst>
+      <p:par>
+        <p:cTn id="1" dur="indefinite" restart="never" nodeType="tmRoot">
+          <p:childTnLst>
+            <p:seq concurrent="1" nextAc="seek">
+              <p:cTn id="2" dur="indefinite" nodeType="mainSeq">
+                <p:childTnLst>
+                  <p:par>
+                    <p:cTn id="3" fill="hold">
+                      <p:stCondLst>
+                        <p:cond delay="indefinite"/>
+                      </p:stCondLst>
+                      <p:childTnLst>
+                        <p:par>
+                          <p:cTn id="4" fill="hold">
+                            <p:stCondLst>
+                              <p:cond delay="0"/>
+                            </p:stCondLst>
+                            <p:childTnLst>
+                              <p:par>
+                                <p:cTn id="5" presetID="1" presetClass="mediacall" presetSubtype="0" fill="hold" nodeType="clickEffect">
+                                  <p:stCondLst>
+                                    <p:cond delay="0"/>
+                                  </p:stCondLst>
+                                  <p:childTnLst>
+                                    <p:cmd type="call" cmd="playFrom(0.0)">
+                                      <p:cBhvr>
+                                        <p:cTn id="6" dur="1" fill="hold"/>
+                                        <p:tgtEl>
+                                          <p:spTgt spid="8"/>
+                                        </p:tgtEl>
+                                      </p:cBhvr>
+                                    </p:cmd>
+                                  </p:childTnLst>
+                                </p:cTn>
+                              </p:par>
+                            </p:childTnLst>
+                          </p:cTn>
+                        </p:par>
+                      </p:childTnLst>
+                    </p:cTn>
+                  </p:par>
+                </p:childTnLst>
+              </p:cTn>
+              <p:prevCondLst>
+                <p:cond evt="onPrev" delay="0">
+                  <p:tgtEl>
+                    <p:sldTgt/>
+                  </p:tgtEl>
+                </p:cond>
+              </p:prevCondLst>
+              <p:nextCondLst>
+                <p:cond evt="onNext" delay="0">
+                  <p:tgtEl>
+                    <p:sldTgt/>
+                  </p:tgtEl>
+                </p:cond>
+              </p:nextCondLst>
+            </p:seq>
+            <p:video>
+              <p:cMediaNode vol="80000">
+                <p:cTn id="7" fill="hold" display="0">
+                  <p:stCondLst>
+                    <p:cond delay="indefinite"/>
+                  </p:stCondLst>
+                </p:cTn>
+                <p:tgtEl>
+                  <p:spTgt spid="8"/>
+                </p:tgtEl>
+              </p:cMediaNode>
+            </p:video>
+            <p:seq concurrent="1" nextAc="seek">
+              <p:cTn id="8" restart="whenNotActive" fill="hold" evtFilter="cancelBubble" nodeType="interactiveSeq">
+                <p:stCondLst>
+                  <p:cond evt="onClick" delay="0">
+                    <p:tgtEl>
+                      <p:spTgt spid="8"/>
+                    </p:tgtEl>
+                  </p:cond>
+                </p:stCondLst>
+                <p:endSync evt="end" delay="0">
+                  <p:rtn val="all"/>
+                </p:endSync>
+                <p:childTnLst>
+                  <p:par>
+                    <p:cTn id="9" fill="hold">
+                      <p:stCondLst>
+                        <p:cond delay="0"/>
+                      </p:stCondLst>
+                      <p:childTnLst>
+                        <p:par>
+                          <p:cTn id="10" fill="hold">
+                            <p:stCondLst>
+                              <p:cond delay="0"/>
+                            </p:stCondLst>
+                            <p:childTnLst>
+                              <p:par>
+                                <p:cTn id="11" presetID="2" presetClass="mediacall" presetSubtype="0" fill="hold" nodeType="clickEffect">
+                                  <p:stCondLst>
+                                    <p:cond delay="0"/>
+                                  </p:stCondLst>
+                                  <p:childTnLst>
+                                    <p:cmd type="call" cmd="togglePause">
+                                      <p:cBhvr>
+                                        <p:cTn id="12" dur="1" fill="hold"/>
+                                        <p:tgtEl>
+                                          <p:spTgt spid="8"/>
+                                        </p:tgtEl>
+                                      </p:cBhvr>
+                                    </p:cmd>
+                                  </p:childTnLst>
+                                </p:cTn>
+                              </p:par>
+                            </p:childTnLst>
+                          </p:cTn>
+                        </p:par>
+                      </p:childTnLst>
+                    </p:cTn>
+                  </p:par>
+                </p:childTnLst>
+              </p:cTn>
+              <p:nextCondLst>
+                <p:cond evt="onClick" delay="0">
+                  <p:tgtEl>
+                    <p:spTgt spid="8"/>
+                  </p:tgtEl>
+                </p:cond>
+              </p:nextCondLst>
+            </p:seq>
+          </p:childTnLst>
+        </p:cTn>
+      </p:par>
+    </p:tnLst>
+  </p:timing>
+</p:sld>
+</file>
+
+<file path=ppt/slides/slide11.xml><?xml version="1.0" encoding="utf-8"?>
+<p:sld xmlns:a="http://schemas.openxmlformats.org/drawingml/2006/main" xmlns:r="http://schemas.openxmlformats.org/officeDocument/2006/relationships" xmlns:p="http://schemas.openxmlformats.org/presentationml/2006/main">
+  <p:cSld>
+    <p:spTree>
+      <p:nvGrpSpPr>
+        <p:cNvPr id="1" name=""/>
+        <p:cNvGrpSpPr/>
+        <p:nvPr/>
+      </p:nvGrpSpPr>
+      <p:grpSpPr>
+        <a:xfrm>
+          <a:off x="0" y="0"/>
+          <a:ext cx="0" cy="0"/>
+          <a:chOff x="0" y="0"/>
+          <a:chExt cx="0" cy="0"/>
+        </a:xfrm>
+      </p:grpSpPr>
       <p:sp>
         <p:nvSpPr>
           <p:cNvPr id="3" name="Content Placeholder 2">
@@ -4635,7 +4835,7 @@
 </p:sld>
 </file>
 
-<file path=ppt/slides/slide11.xml><?xml version="1.0" encoding="utf-8"?>
+<file path=ppt/slides/slide12.xml><?xml version="1.0" encoding="utf-8"?>
 <p:sld xmlns:a="http://schemas.openxmlformats.org/drawingml/2006/main" xmlns:r="http://schemas.openxmlformats.org/officeDocument/2006/relationships" xmlns:p="http://schemas.openxmlformats.org/presentationml/2006/main">
   <p:cSld>
     <p:spTree>
@@ -4734,7 +4934,7 @@
 </p:sld>
 </file>
 
-<file path=ppt/slides/slide12.xml><?xml version="1.0" encoding="utf-8"?>
+<file path=ppt/slides/slide13.xml><?xml version="1.0" encoding="utf-8"?>
 <p:sld xmlns:a="http://schemas.openxmlformats.org/drawingml/2006/main" xmlns:r="http://schemas.openxmlformats.org/officeDocument/2006/relationships" xmlns:p="http://schemas.openxmlformats.org/presentationml/2006/main">
   <p:cSld>
     <p:spTree>

--- a/Precipitation prediction.pptx
+++ b/Precipitation prediction.pptx
@@ -5,7 +5,7 @@
     <p:sldMasterId id="2147483746" r:id="rId1"/>
   </p:sldMasterIdLst>
   <p:notesMasterIdLst>
-    <p:notesMasterId r:id="rId15"/>
+    <p:notesMasterId r:id="rId19"/>
   </p:notesMasterIdLst>
   <p:sldIdLst>
     <p:sldId id="257" r:id="rId2"/>
@@ -15,12 +15,16 @@
     <p:sldId id="263" r:id="rId6"/>
     <p:sldId id="260" r:id="rId7"/>
     <p:sldId id="259" r:id="rId8"/>
-    <p:sldId id="265" r:id="rId9"/>
-    <p:sldId id="268" r:id="rId10"/>
-    <p:sldId id="271" r:id="rId11"/>
-    <p:sldId id="264" r:id="rId12"/>
-    <p:sldId id="270" r:id="rId13"/>
-    <p:sldId id="267" r:id="rId14"/>
+    <p:sldId id="273" r:id="rId9"/>
+    <p:sldId id="265" r:id="rId10"/>
+    <p:sldId id="275" r:id="rId11"/>
+    <p:sldId id="268" r:id="rId12"/>
+    <p:sldId id="274" r:id="rId13"/>
+    <p:sldId id="271" r:id="rId14"/>
+    <p:sldId id="264" r:id="rId15"/>
+    <p:sldId id="272" r:id="rId16"/>
+    <p:sldId id="276" r:id="rId17"/>
+    <p:sldId id="267" r:id="rId18"/>
   </p:sldIdLst>
   <p:sldSz cx="12192000" cy="6858000"/>
   <p:notesSz cx="6858000" cy="9144000"/>
@@ -522,15 +526,90 @@
           <a:p>
             <a:r>
               <a:rPr lang="en-US" dirty="0"/>
-              <a:t>Take for example this picture on the right which is complexed from a triangle and a rectangle , and let say it can make a house or a boat, so we have 2 higher capsules </a:t>
-            </a:r>
-          </a:p>
-          <a:p>
-            <a:r>
-              <a:rPr lang="en-US" dirty="0"/>
-              <a:t>each part separately tries to predict the whole object’s size and direction, thus also for the other parts</a:t>
-            </a:r>
-          </a:p>
+              <a:t>2 digits in the same picture</a:t>
+            </a:r>
+          </a:p>
+        </p:txBody>
+      </p:sp>
+      <p:sp>
+        <p:nvSpPr>
+          <p:cNvPr id="4" name="Slide Number Placeholder 3"/>
+          <p:cNvSpPr>
+            <a:spLocks noGrp="1"/>
+          </p:cNvSpPr>
+          <p:nvPr>
+            <p:ph type="sldNum" sz="quarter" idx="5"/>
+          </p:nvPr>
+        </p:nvSpPr>
+        <p:spPr/>
+        <p:txBody>
+          <a:bodyPr/>
+          <a:lstStyle/>
+          <a:p>
+            <a:fld id="{921C8E95-EEA9-4AB6-9EEA-2E55A6DF3DC5}" type="slidenum">
+              <a:rPr lang="en-US" smtClean="0"/>
+              <a:t>7</a:t>
+            </a:fld>
+            <a:endParaRPr lang="en-US"/>
+          </a:p>
+        </p:txBody>
+      </p:sp>
+    </p:spTree>
+    <p:extLst>
+      <p:ext uri="{BB962C8B-B14F-4D97-AF65-F5344CB8AC3E}">
+        <p14:creationId xmlns:p14="http://schemas.microsoft.com/office/powerpoint/2010/main" val="1620655860"/>
+      </p:ext>
+    </p:extLst>
+  </p:cSld>
+  <p:clrMapOvr>
+    <a:masterClrMapping/>
+  </p:clrMapOvr>
+</p:notes>
+</file>
+
+<file path=ppt/notesSlides/notesSlide2.xml><?xml version="1.0" encoding="utf-8"?>
+<p:notes xmlns:a="http://schemas.openxmlformats.org/drawingml/2006/main" xmlns:r="http://schemas.openxmlformats.org/officeDocument/2006/relationships" xmlns:p="http://schemas.openxmlformats.org/presentationml/2006/main">
+  <p:cSld>
+    <p:spTree>
+      <p:nvGrpSpPr>
+        <p:cNvPr id="1" name=""/>
+        <p:cNvGrpSpPr/>
+        <p:nvPr/>
+      </p:nvGrpSpPr>
+      <p:grpSpPr>
+        <a:xfrm>
+          <a:off x="0" y="0"/>
+          <a:ext cx="0" cy="0"/>
+          <a:chOff x="0" y="0"/>
+          <a:chExt cx="0" cy="0"/>
+        </a:xfrm>
+      </p:grpSpPr>
+      <p:sp>
+        <p:nvSpPr>
+          <p:cNvPr id="2" name="Slide Image Placeholder 1"/>
+          <p:cNvSpPr>
+            <a:spLocks noGrp="1" noRot="1" noChangeAspect="1"/>
+          </p:cNvSpPr>
+          <p:nvPr>
+            <p:ph type="sldImg"/>
+          </p:nvPr>
+        </p:nvSpPr>
+        <p:spPr/>
+      </p:sp>
+      <p:sp>
+        <p:nvSpPr>
+          <p:cNvPr id="3" name="Notes Placeholder 2"/>
+          <p:cNvSpPr>
+            <a:spLocks noGrp="1"/>
+          </p:cNvSpPr>
+          <p:nvPr>
+            <p:ph type="body" idx="1"/>
+          </p:nvPr>
+        </p:nvSpPr>
+        <p:spPr/>
+        <p:txBody>
+          <a:bodyPr/>
+          <a:lstStyle/>
           <a:p>
             <a:endParaRPr lang="en-US" dirty="0"/>
           </a:p>
@@ -562,7 +641,762 @@
     </p:spTree>
     <p:extLst>
       <p:ext uri="{BB962C8B-B14F-4D97-AF65-F5344CB8AC3E}">
+        <p14:creationId xmlns:p14="http://schemas.microsoft.com/office/powerpoint/2010/main" val="3700583173"/>
+      </p:ext>
+    </p:extLst>
+  </p:cSld>
+  <p:clrMapOvr>
+    <a:masterClrMapping/>
+  </p:clrMapOvr>
+</p:notes>
+</file>
+
+<file path=ppt/notesSlides/notesSlide3.xml><?xml version="1.0" encoding="utf-8"?>
+<p:notes xmlns:a="http://schemas.openxmlformats.org/drawingml/2006/main" xmlns:r="http://schemas.openxmlformats.org/officeDocument/2006/relationships" xmlns:p="http://schemas.openxmlformats.org/presentationml/2006/main">
+  <p:cSld>
+    <p:spTree>
+      <p:nvGrpSpPr>
+        <p:cNvPr id="1" name=""/>
+        <p:cNvGrpSpPr/>
+        <p:nvPr/>
+      </p:nvGrpSpPr>
+      <p:grpSpPr>
+        <a:xfrm>
+          <a:off x="0" y="0"/>
+          <a:ext cx="0" cy="0"/>
+          <a:chOff x="0" y="0"/>
+          <a:chExt cx="0" cy="0"/>
+        </a:xfrm>
+      </p:grpSpPr>
+      <p:sp>
+        <p:nvSpPr>
+          <p:cNvPr id="2" name="Slide Image Placeholder 1"/>
+          <p:cNvSpPr>
+            <a:spLocks noGrp="1" noRot="1" noChangeAspect="1"/>
+          </p:cNvSpPr>
+          <p:nvPr>
+            <p:ph type="sldImg"/>
+          </p:nvPr>
+        </p:nvSpPr>
+        <p:spPr/>
+      </p:sp>
+      <p:sp>
+        <p:nvSpPr>
+          <p:cNvPr id="3" name="Notes Placeholder 2"/>
+          <p:cNvSpPr>
+            <a:spLocks noGrp="1"/>
+          </p:cNvSpPr>
+          <p:nvPr>
+            <p:ph type="body" idx="1"/>
+          </p:nvPr>
+        </p:nvSpPr>
+        <p:spPr/>
+        <p:txBody>
+          <a:bodyPr/>
+          <a:lstStyle/>
+          <a:p>
+            <a:r>
+              <a:rPr lang="en-US" dirty="0"/>
+              <a:t>In a regular neural network we can have the </a:t>
+            </a:r>
+          </a:p>
+          <a:p>
+            <a:endParaRPr lang="en-US" dirty="0"/>
+          </a:p>
+          <a:p>
+            <a:r>
+              <a:rPr lang="en-US" dirty="0"/>
+              <a:t>Like in a Picasso painting</a:t>
+            </a:r>
+          </a:p>
+        </p:txBody>
+      </p:sp>
+      <p:sp>
+        <p:nvSpPr>
+          <p:cNvPr id="4" name="Slide Number Placeholder 3"/>
+          <p:cNvSpPr>
+            <a:spLocks noGrp="1"/>
+          </p:cNvSpPr>
+          <p:nvPr>
+            <p:ph type="sldNum" sz="quarter" idx="5"/>
+          </p:nvPr>
+        </p:nvSpPr>
+        <p:spPr/>
+        <p:txBody>
+          <a:bodyPr/>
+          <a:lstStyle/>
+          <a:p>
+            <a:fld id="{921C8E95-EEA9-4AB6-9EEA-2E55A6DF3DC5}" type="slidenum">
+              <a:rPr lang="en-US" smtClean="0"/>
+              <a:t>10</a:t>
+            </a:fld>
+            <a:endParaRPr lang="en-US"/>
+          </a:p>
+        </p:txBody>
+      </p:sp>
+    </p:spTree>
+    <p:extLst>
+      <p:ext uri="{BB962C8B-B14F-4D97-AF65-F5344CB8AC3E}">
+        <p14:creationId xmlns:p14="http://schemas.microsoft.com/office/powerpoint/2010/main" val="1597344420"/>
+      </p:ext>
+    </p:extLst>
+  </p:cSld>
+  <p:clrMapOvr>
+    <a:masterClrMapping/>
+  </p:clrMapOvr>
+</p:notes>
+</file>
+
+<file path=ppt/notesSlides/notesSlide4.xml><?xml version="1.0" encoding="utf-8"?>
+<p:notes xmlns:a="http://schemas.openxmlformats.org/drawingml/2006/main" xmlns:r="http://schemas.openxmlformats.org/officeDocument/2006/relationships" xmlns:p="http://schemas.openxmlformats.org/presentationml/2006/main">
+  <p:cSld>
+    <p:spTree>
+      <p:nvGrpSpPr>
+        <p:cNvPr id="1" name=""/>
+        <p:cNvGrpSpPr/>
+        <p:nvPr/>
+      </p:nvGrpSpPr>
+      <p:grpSpPr>
+        <a:xfrm>
+          <a:off x="0" y="0"/>
+          <a:ext cx="0" cy="0"/>
+          <a:chOff x="0" y="0"/>
+          <a:chExt cx="0" cy="0"/>
+        </a:xfrm>
+      </p:grpSpPr>
+      <p:sp>
+        <p:nvSpPr>
+          <p:cNvPr id="2" name="Slide Image Placeholder 1"/>
+          <p:cNvSpPr>
+            <a:spLocks noGrp="1" noRot="1" noChangeAspect="1"/>
+          </p:cNvSpPr>
+          <p:nvPr>
+            <p:ph type="sldImg"/>
+          </p:nvPr>
+        </p:nvSpPr>
+        <p:spPr/>
+      </p:sp>
+      <p:sp>
+        <p:nvSpPr>
+          <p:cNvPr id="3" name="Notes Placeholder 2"/>
+          <p:cNvSpPr>
+            <a:spLocks noGrp="1"/>
+          </p:cNvSpPr>
+          <p:nvPr>
+            <p:ph type="body" idx="1"/>
+          </p:nvPr>
+        </p:nvSpPr>
+        <p:spPr/>
+        <p:txBody>
+          <a:bodyPr/>
+          <a:lstStyle/>
+          <a:p>
+            <a:r>
+              <a:rPr lang="en-US" dirty="0"/>
+              <a:t>Take for example this picture on the right which is complexed from a triangle and a rectangle , and let say we classify for a house or a boat, so we have 2 higher capsules </a:t>
+            </a:r>
+          </a:p>
+          <a:p>
+            <a:r>
+              <a:rPr lang="en-US" dirty="0"/>
+              <a:t>Each capsule not only predicts whether the object exists, it also predicts its properties</a:t>
+            </a:r>
+          </a:p>
+          <a:p>
+            <a:r>
+              <a:rPr lang="en-US" dirty="0"/>
+              <a:t>each capsule separately tries to predict the whole object’s properties, thus also the properties for the other parts </a:t>
+            </a:r>
+          </a:p>
+          <a:p>
+            <a:r>
+              <a:rPr lang="en-US" dirty="0"/>
+              <a:t>(for the boat capsule, the triangle will expect the rectangle to be underneath it with a gap, and for the house it will expect it to be as close to it	same for the other capsules)</a:t>
+            </a:r>
+          </a:p>
+          <a:p>
+            <a:endParaRPr lang="en-US" dirty="0"/>
+          </a:p>
+          <a:p>
+            <a:pPr marL="0" marR="0" lvl="0" indent="0" algn="l" defTabSz="914400" rtl="0" eaLnBrk="1" fontAlgn="auto" latinLnBrk="0" hangingPunct="1">
+              <a:lnSpc>
+                <a:spcPct val="100000"/>
+              </a:lnSpc>
+              <a:spcBef>
+                <a:spcPts val="0"/>
+              </a:spcBef>
+              <a:spcAft>
+                <a:spcPts val="0"/>
+              </a:spcAft>
+              <a:buClrTx/>
+              <a:buSzTx/>
+              <a:buFontTx/>
+              <a:buNone/>
+              <a:tabLst/>
+              <a:defRPr/>
+            </a:pPr>
+            <a:r>
+              <a:rPr lang="en-US" dirty="0"/>
+              <a:t>Summing the capsules vectors – low level capsules and if they correlate with each other the sum vector will be bigger than for capsules which don’t correlate</a:t>
+            </a:r>
+          </a:p>
+          <a:p>
+            <a:pPr marL="0" marR="0" lvl="0" indent="0" algn="l" defTabSz="914400" rtl="0" eaLnBrk="1" fontAlgn="auto" latinLnBrk="0" hangingPunct="1">
+              <a:lnSpc>
+                <a:spcPct val="100000"/>
+              </a:lnSpc>
+              <a:spcBef>
+                <a:spcPts val="0"/>
+              </a:spcBef>
+              <a:spcAft>
+                <a:spcPts val="0"/>
+              </a:spcAft>
+              <a:buClrTx/>
+              <a:buSzTx/>
+              <a:buFontTx/>
+              <a:buNone/>
+              <a:tabLst/>
+              <a:defRPr/>
+            </a:pPr>
+            <a:r>
+              <a:rPr lang="en-US" dirty="0"/>
+              <a:t>We then make new prediction, we did this phase for 3 times, and that’s how we find  the clusters of agreement </a:t>
+            </a:r>
+          </a:p>
+          <a:p>
+            <a:endParaRPr lang="en-US" dirty="0"/>
+          </a:p>
+          <a:p>
+            <a:endParaRPr lang="en-US" dirty="0"/>
+          </a:p>
+        </p:txBody>
+      </p:sp>
+      <p:sp>
+        <p:nvSpPr>
+          <p:cNvPr id="4" name="Slide Number Placeholder 3"/>
+          <p:cNvSpPr>
+            <a:spLocks noGrp="1"/>
+          </p:cNvSpPr>
+          <p:nvPr>
+            <p:ph type="sldNum" sz="quarter" idx="5"/>
+          </p:nvPr>
+        </p:nvSpPr>
+        <p:spPr/>
+        <p:txBody>
+          <a:bodyPr/>
+          <a:lstStyle/>
+          <a:p>
+            <a:fld id="{921C8E95-EEA9-4AB6-9EEA-2E55A6DF3DC5}" type="slidenum">
+              <a:rPr lang="en-US" smtClean="0"/>
+              <a:t>11</a:t>
+            </a:fld>
+            <a:endParaRPr lang="en-US"/>
+          </a:p>
+        </p:txBody>
+      </p:sp>
+    </p:spTree>
+    <p:extLst>
+      <p:ext uri="{BB962C8B-B14F-4D97-AF65-F5344CB8AC3E}">
         <p14:creationId xmlns:p14="http://schemas.microsoft.com/office/powerpoint/2010/main" val="1477323158"/>
+      </p:ext>
+    </p:extLst>
+  </p:cSld>
+  <p:clrMapOvr>
+    <a:masterClrMapping/>
+  </p:clrMapOvr>
+</p:notes>
+</file>
+
+<file path=ppt/notesSlides/notesSlide5.xml><?xml version="1.0" encoding="utf-8"?>
+<p:notes xmlns:a="http://schemas.openxmlformats.org/drawingml/2006/main" xmlns:r="http://schemas.openxmlformats.org/officeDocument/2006/relationships" xmlns:p="http://schemas.openxmlformats.org/presentationml/2006/main">
+  <p:cSld>
+    <p:spTree>
+      <p:nvGrpSpPr>
+        <p:cNvPr id="1" name=""/>
+        <p:cNvGrpSpPr/>
+        <p:nvPr/>
+      </p:nvGrpSpPr>
+      <p:grpSpPr>
+        <a:xfrm>
+          <a:off x="0" y="0"/>
+          <a:ext cx="0" cy="0"/>
+          <a:chOff x="0" y="0"/>
+          <a:chExt cx="0" cy="0"/>
+        </a:xfrm>
+      </p:grpSpPr>
+      <p:sp>
+        <p:nvSpPr>
+          <p:cNvPr id="2" name="Slide Image Placeholder 1"/>
+          <p:cNvSpPr>
+            <a:spLocks noGrp="1" noRot="1" noChangeAspect="1"/>
+          </p:cNvSpPr>
+          <p:nvPr>
+            <p:ph type="sldImg"/>
+          </p:nvPr>
+        </p:nvSpPr>
+        <p:spPr/>
+      </p:sp>
+      <p:sp>
+        <p:nvSpPr>
+          <p:cNvPr id="3" name="Notes Placeholder 2"/>
+          <p:cNvSpPr>
+            <a:spLocks noGrp="1"/>
+          </p:cNvSpPr>
+          <p:nvPr>
+            <p:ph type="body" idx="1"/>
+          </p:nvPr>
+        </p:nvSpPr>
+        <p:spPr/>
+        <p:txBody>
+          <a:bodyPr/>
+          <a:lstStyle/>
+          <a:p>
+            <a:r>
+              <a:rPr lang="en-US" dirty="0"/>
+              <a:t>4*5*5 is our data size</a:t>
+            </a:r>
+          </a:p>
+          <a:p>
+            <a:r>
+              <a:rPr lang="en-US" dirty="0"/>
+              <a:t>First goes through a regular convolutional layer </a:t>
+            </a:r>
+          </a:p>
+          <a:p>
+            <a:pPr rtl="0"/>
+            <a:r>
+              <a:rPr lang="en-US" dirty="0"/>
+              <a:t>then the output goes to each from the 32 primary capsule – low level capsules</a:t>
+            </a:r>
+          </a:p>
+          <a:p>
+            <a:pPr rtl="0"/>
+            <a:r>
+              <a:rPr lang="en-US" dirty="0"/>
+              <a:t>Each will output a 8 dimension vector  - then using the routing iterations  </a:t>
+            </a:r>
+          </a:p>
+          <a:p>
+            <a:pPr rtl="0"/>
+            <a:r>
+              <a:rPr lang="en-US" dirty="0"/>
+              <a:t>So each lower capsule decides to which higher capsule it sends it’s data to – each lower capsule will have few higher capsule parent, not all of them</a:t>
+            </a:r>
+          </a:p>
+          <a:p>
+            <a:endParaRPr lang="en-US" dirty="0"/>
+          </a:p>
+          <a:p>
+            <a:endParaRPr lang="en-US" dirty="0"/>
+          </a:p>
+          <a:p>
+            <a:r>
+              <a:rPr lang="en-US" dirty="0"/>
+              <a:t>The higher level capsules is the size of 16*6 – 6 rain categories, our classes , 16 is the attribute vectors for each level, which includes data like rotation/width/position and other parameters</a:t>
+            </a:r>
+          </a:p>
+          <a:p>
+            <a:endParaRPr lang="en-US" dirty="0"/>
+          </a:p>
+          <a:p>
+            <a:r>
+              <a:rPr lang="en-US" dirty="0"/>
+              <a:t>As the parameters in the vector are more aligned with each other for the existence of this particular object, the sum of these vectors will be larger therefore capsule is more likely to be chosen</a:t>
+            </a:r>
+          </a:p>
+        </p:txBody>
+      </p:sp>
+      <p:sp>
+        <p:nvSpPr>
+          <p:cNvPr id="4" name="Slide Number Placeholder 3"/>
+          <p:cNvSpPr>
+            <a:spLocks noGrp="1"/>
+          </p:cNvSpPr>
+          <p:nvPr>
+            <p:ph type="sldNum" sz="quarter" idx="5"/>
+          </p:nvPr>
+        </p:nvSpPr>
+        <p:spPr/>
+        <p:txBody>
+          <a:bodyPr/>
+          <a:lstStyle/>
+          <a:p>
+            <a:fld id="{921C8E95-EEA9-4AB6-9EEA-2E55A6DF3DC5}" type="slidenum">
+              <a:rPr lang="en-US" smtClean="0"/>
+              <a:t>14</a:t>
+            </a:fld>
+            <a:endParaRPr lang="en-US"/>
+          </a:p>
+        </p:txBody>
+      </p:sp>
+    </p:spTree>
+    <p:extLst>
+      <p:ext uri="{BB962C8B-B14F-4D97-AF65-F5344CB8AC3E}">
+        <p14:creationId xmlns:p14="http://schemas.microsoft.com/office/powerpoint/2010/main" val="3126482675"/>
+      </p:ext>
+    </p:extLst>
+  </p:cSld>
+  <p:clrMapOvr>
+    <a:masterClrMapping/>
+  </p:clrMapOvr>
+</p:notes>
+</file>
+
+<file path=ppt/notesSlides/notesSlide6.xml><?xml version="1.0" encoding="utf-8"?>
+<p:notes xmlns:a="http://schemas.openxmlformats.org/drawingml/2006/main" xmlns:r="http://schemas.openxmlformats.org/officeDocument/2006/relationships" xmlns:p="http://schemas.openxmlformats.org/presentationml/2006/main">
+  <p:cSld>
+    <p:spTree>
+      <p:nvGrpSpPr>
+        <p:cNvPr id="1" name=""/>
+        <p:cNvGrpSpPr/>
+        <p:nvPr/>
+      </p:nvGrpSpPr>
+      <p:grpSpPr>
+        <a:xfrm>
+          <a:off x="0" y="0"/>
+          <a:ext cx="0" cy="0"/>
+          <a:chOff x="0" y="0"/>
+          <a:chExt cx="0" cy="0"/>
+        </a:xfrm>
+      </p:grpSpPr>
+      <p:sp>
+        <p:nvSpPr>
+          <p:cNvPr id="2" name="Slide Image Placeholder 1"/>
+          <p:cNvSpPr>
+            <a:spLocks noGrp="1" noRot="1" noChangeAspect="1"/>
+          </p:cNvSpPr>
+          <p:nvPr>
+            <p:ph type="sldImg"/>
+          </p:nvPr>
+        </p:nvSpPr>
+        <p:spPr/>
+      </p:sp>
+      <p:sp>
+        <p:nvSpPr>
+          <p:cNvPr id="3" name="Notes Placeholder 2"/>
+          <p:cNvSpPr>
+            <a:spLocks noGrp="1"/>
+          </p:cNvSpPr>
+          <p:nvPr>
+            <p:ph type="body" idx="1"/>
+          </p:nvPr>
+        </p:nvSpPr>
+        <p:spPr/>
+        <p:txBody>
+          <a:bodyPr/>
+          <a:lstStyle/>
+          <a:p>
+            <a:r>
+              <a:rPr lang="en-US" dirty="0"/>
+              <a:t>Identifying 2 digits </a:t>
+            </a:r>
+          </a:p>
+        </p:txBody>
+      </p:sp>
+      <p:sp>
+        <p:nvSpPr>
+          <p:cNvPr id="4" name="Slide Number Placeholder 3"/>
+          <p:cNvSpPr>
+            <a:spLocks noGrp="1"/>
+          </p:cNvSpPr>
+          <p:nvPr>
+            <p:ph type="sldNum" sz="quarter" idx="5"/>
+          </p:nvPr>
+        </p:nvSpPr>
+        <p:spPr/>
+        <p:txBody>
+          <a:bodyPr/>
+          <a:lstStyle/>
+          <a:p>
+            <a:fld id="{921C8E95-EEA9-4AB6-9EEA-2E55A6DF3DC5}" type="slidenum">
+              <a:rPr lang="en-US" smtClean="0"/>
+              <a:t>15</a:t>
+            </a:fld>
+            <a:endParaRPr lang="en-US"/>
+          </a:p>
+        </p:txBody>
+      </p:sp>
+    </p:spTree>
+    <p:extLst>
+      <p:ext uri="{BB962C8B-B14F-4D97-AF65-F5344CB8AC3E}">
+        <p14:creationId xmlns:p14="http://schemas.microsoft.com/office/powerpoint/2010/main" val="2920298694"/>
+      </p:ext>
+    </p:extLst>
+  </p:cSld>
+  <p:clrMapOvr>
+    <a:masterClrMapping/>
+  </p:clrMapOvr>
+</p:notes>
+</file>
+
+<file path=ppt/notesSlides/notesSlide7.xml><?xml version="1.0" encoding="utf-8"?>
+<p:notes xmlns:a="http://schemas.openxmlformats.org/drawingml/2006/main" xmlns:r="http://schemas.openxmlformats.org/officeDocument/2006/relationships" xmlns:p="http://schemas.openxmlformats.org/presentationml/2006/main">
+  <p:cSld>
+    <p:spTree>
+      <p:nvGrpSpPr>
+        <p:cNvPr id="1" name=""/>
+        <p:cNvGrpSpPr/>
+        <p:nvPr/>
+      </p:nvGrpSpPr>
+      <p:grpSpPr>
+        <a:xfrm>
+          <a:off x="0" y="0"/>
+          <a:ext cx="0" cy="0"/>
+          <a:chOff x="0" y="0"/>
+          <a:chExt cx="0" cy="0"/>
+        </a:xfrm>
+      </p:grpSpPr>
+      <p:sp>
+        <p:nvSpPr>
+          <p:cNvPr id="2" name="Slide Image Placeholder 1"/>
+          <p:cNvSpPr>
+            <a:spLocks noGrp="1" noRot="1" noChangeAspect="1"/>
+          </p:cNvSpPr>
+          <p:nvPr>
+            <p:ph type="sldImg"/>
+          </p:nvPr>
+        </p:nvSpPr>
+        <p:spPr/>
+      </p:sp>
+      <p:sp>
+        <p:nvSpPr>
+          <p:cNvPr id="3" name="Notes Placeholder 2"/>
+          <p:cNvSpPr>
+            <a:spLocks noGrp="1"/>
+          </p:cNvSpPr>
+          <p:nvPr>
+            <p:ph type="body" idx="1"/>
+          </p:nvPr>
+        </p:nvSpPr>
+        <p:spPr/>
+        <p:txBody>
+          <a:bodyPr/>
+          <a:lstStyle/>
+          <a:p>
+            <a:pPr marL="228600" marR="0" lvl="0" indent="-228600" algn="l" defTabSz="914400" rtl="0" eaLnBrk="1" fontAlgn="auto" latinLnBrk="0" hangingPunct="1">
+              <a:lnSpc>
+                <a:spcPct val="100000"/>
+              </a:lnSpc>
+              <a:spcBef>
+                <a:spcPts val="0"/>
+              </a:spcBef>
+              <a:spcAft>
+                <a:spcPts val="0"/>
+              </a:spcAft>
+              <a:buClrTx/>
+              <a:buSzTx/>
+              <a:buFontTx/>
+              <a:buAutoNum type="arabicPeriod"/>
+              <a:tabLst/>
+              <a:defRPr/>
+            </a:pPr>
+            <a:r>
+              <a:rPr lang="en-US" dirty="0"/>
+              <a:t>Small use – scale down to 0.0005 so it won’t be too dominant </a:t>
+            </a:r>
+          </a:p>
+          <a:p>
+            <a:pPr marL="228600" marR="0" lvl="0" indent="-228600" algn="l" defTabSz="914400" rtl="0" eaLnBrk="1" fontAlgn="auto" latinLnBrk="0" hangingPunct="1">
+              <a:lnSpc>
+                <a:spcPct val="100000"/>
+              </a:lnSpc>
+              <a:spcBef>
+                <a:spcPts val="0"/>
+              </a:spcBef>
+              <a:spcAft>
+                <a:spcPts val="0"/>
+              </a:spcAft>
+              <a:buClrTx/>
+              <a:buSzTx/>
+              <a:buFontTx/>
+              <a:buAutoNum type="arabicPeriod"/>
+              <a:tabLst/>
+              <a:defRPr/>
+            </a:pPr>
+            <a:r>
+              <a:rPr lang="en-US" dirty="0"/>
+              <a:t> makes the difference – in the paper they showed the results on MNIST with and without the decoder were very different</a:t>
+            </a:r>
+          </a:p>
+          <a:p>
+            <a:pPr marL="228600" marR="0" lvl="0" indent="-228600" algn="l" defTabSz="914400" rtl="0" eaLnBrk="1" fontAlgn="auto" latinLnBrk="0" hangingPunct="1">
+              <a:lnSpc>
+                <a:spcPct val="100000"/>
+              </a:lnSpc>
+              <a:spcBef>
+                <a:spcPts val="0"/>
+              </a:spcBef>
+              <a:spcAft>
+                <a:spcPts val="0"/>
+              </a:spcAft>
+              <a:buClrTx/>
+              <a:buSzTx/>
+              <a:buFontTx/>
+              <a:buAutoNum type="arabicPeriod"/>
+              <a:tabLst/>
+              <a:defRPr/>
+            </a:pPr>
+            <a:r>
+              <a:rPr lang="en-US" dirty="0"/>
+              <a:t>Makes the high level caps to encode some kind of information about the original image</a:t>
+            </a:r>
+          </a:p>
+          <a:p>
+            <a:pPr marL="228600" marR="0" lvl="0" indent="-228600" algn="l" defTabSz="914400" rtl="0" eaLnBrk="1" fontAlgn="auto" latinLnBrk="0" hangingPunct="1">
+              <a:lnSpc>
+                <a:spcPct val="100000"/>
+              </a:lnSpc>
+              <a:spcBef>
+                <a:spcPts val="0"/>
+              </a:spcBef>
+              <a:spcAft>
+                <a:spcPts val="0"/>
+              </a:spcAft>
+              <a:buClrTx/>
+              <a:buSzTx/>
+              <a:buFontTx/>
+              <a:buAutoNum type="arabicPeriod"/>
+              <a:tabLst/>
+              <a:defRPr/>
+            </a:pPr>
+            <a:endParaRPr lang="en-US" dirty="0"/>
+          </a:p>
+          <a:p>
+            <a:pPr marL="228600" marR="0" lvl="0" indent="-228600" algn="l" defTabSz="914400" rtl="0" eaLnBrk="1" fontAlgn="auto" latinLnBrk="0" hangingPunct="1">
+              <a:lnSpc>
+                <a:spcPct val="100000"/>
+              </a:lnSpc>
+              <a:spcBef>
+                <a:spcPts val="0"/>
+              </a:spcBef>
+              <a:spcAft>
+                <a:spcPts val="0"/>
+              </a:spcAft>
+              <a:buClrTx/>
+              <a:buSzTx/>
+              <a:buFontTx/>
+              <a:buAutoNum type="arabicPeriod"/>
+              <a:tabLst/>
+              <a:defRPr/>
+            </a:pPr>
+            <a:r>
+              <a:rPr lang="en-US" dirty="0"/>
+              <a:t>We didn’t look at the reconstructed images but did use the decoder loss</a:t>
+            </a:r>
+          </a:p>
+        </p:txBody>
+      </p:sp>
+      <p:sp>
+        <p:nvSpPr>
+          <p:cNvPr id="4" name="Slide Number Placeholder 3"/>
+          <p:cNvSpPr>
+            <a:spLocks noGrp="1"/>
+          </p:cNvSpPr>
+          <p:nvPr>
+            <p:ph type="sldNum" sz="quarter" idx="5"/>
+          </p:nvPr>
+        </p:nvSpPr>
+        <p:spPr/>
+        <p:txBody>
+          <a:bodyPr/>
+          <a:lstStyle/>
+          <a:p>
+            <a:fld id="{921C8E95-EEA9-4AB6-9EEA-2E55A6DF3DC5}" type="slidenum">
+              <a:rPr lang="en-US" smtClean="0"/>
+              <a:t>16</a:t>
+            </a:fld>
+            <a:endParaRPr lang="en-US"/>
+          </a:p>
+        </p:txBody>
+      </p:sp>
+    </p:spTree>
+    <p:extLst>
+      <p:ext uri="{BB962C8B-B14F-4D97-AF65-F5344CB8AC3E}">
+        <p14:creationId xmlns:p14="http://schemas.microsoft.com/office/powerpoint/2010/main" val="2649580508"/>
+      </p:ext>
+    </p:extLst>
+  </p:cSld>
+  <p:clrMapOvr>
+    <a:masterClrMapping/>
+  </p:clrMapOvr>
+</p:notes>
+</file>
+
+<file path=ppt/notesSlides/notesSlide8.xml><?xml version="1.0" encoding="utf-8"?>
+<p:notes xmlns:a="http://schemas.openxmlformats.org/drawingml/2006/main" xmlns:r="http://schemas.openxmlformats.org/officeDocument/2006/relationships" xmlns:p="http://schemas.openxmlformats.org/presentationml/2006/main">
+  <p:cSld>
+    <p:spTree>
+      <p:nvGrpSpPr>
+        <p:cNvPr id="1" name=""/>
+        <p:cNvGrpSpPr/>
+        <p:nvPr/>
+      </p:nvGrpSpPr>
+      <p:grpSpPr>
+        <a:xfrm>
+          <a:off x="0" y="0"/>
+          <a:ext cx="0" cy="0"/>
+          <a:chOff x="0" y="0"/>
+          <a:chExt cx="0" cy="0"/>
+        </a:xfrm>
+      </p:grpSpPr>
+      <p:sp>
+        <p:nvSpPr>
+          <p:cNvPr id="2" name="Slide Image Placeholder 1"/>
+          <p:cNvSpPr>
+            <a:spLocks noGrp="1" noRot="1" noChangeAspect="1"/>
+          </p:cNvSpPr>
+          <p:nvPr>
+            <p:ph type="sldImg"/>
+          </p:nvPr>
+        </p:nvSpPr>
+        <p:spPr/>
+      </p:sp>
+      <p:sp>
+        <p:nvSpPr>
+          <p:cNvPr id="3" name="Notes Placeholder 2"/>
+          <p:cNvSpPr>
+            <a:spLocks noGrp="1"/>
+          </p:cNvSpPr>
+          <p:nvPr>
+            <p:ph type="body" idx="1"/>
+          </p:nvPr>
+        </p:nvSpPr>
+        <p:spPr/>
+        <p:txBody>
+          <a:bodyPr/>
+          <a:lstStyle/>
+          <a:p>
+            <a:endParaRPr lang="en-US" dirty="0"/>
+          </a:p>
+        </p:txBody>
+      </p:sp>
+      <p:sp>
+        <p:nvSpPr>
+          <p:cNvPr id="4" name="Slide Number Placeholder 3"/>
+          <p:cNvSpPr>
+            <a:spLocks noGrp="1"/>
+          </p:cNvSpPr>
+          <p:nvPr>
+            <p:ph type="sldNum" sz="quarter" idx="5"/>
+          </p:nvPr>
+        </p:nvSpPr>
+        <p:spPr/>
+        <p:txBody>
+          <a:bodyPr/>
+          <a:lstStyle/>
+          <a:p>
+            <a:fld id="{921C8E95-EEA9-4AB6-9EEA-2E55A6DF3DC5}" type="slidenum">
+              <a:rPr lang="en-US" smtClean="0"/>
+              <a:t>17</a:t>
+            </a:fld>
+            <a:endParaRPr lang="en-US"/>
+          </a:p>
+        </p:txBody>
+      </p:sp>
+    </p:spTree>
+    <p:extLst>
+      <p:ext uri="{BB962C8B-B14F-4D97-AF65-F5344CB8AC3E}">
+        <p14:creationId xmlns:p14="http://schemas.microsoft.com/office/powerpoint/2010/main" val="3052741433"/>
       </p:ext>
     </p:extLst>
   </p:cSld>
@@ -4555,6 +5389,577 @@
           <a:chExt cx="0" cy="0"/>
         </a:xfrm>
       </p:grpSpPr>
+      <p:sp>
+        <p:nvSpPr>
+          <p:cNvPr id="2" name="Title 1">
+            <a:extLst>
+              <a:ext uri="{FF2B5EF4-FFF2-40B4-BE49-F238E27FC236}">
+                <a16:creationId xmlns:a16="http://schemas.microsoft.com/office/drawing/2014/main" id="{1850BAE4-90C3-48AD-856F-337D4E85F753}"/>
+              </a:ext>
+            </a:extLst>
+          </p:cNvPr>
+          <p:cNvSpPr>
+            <a:spLocks noGrp="1"/>
+          </p:cNvSpPr>
+          <p:nvPr>
+            <p:ph type="title"/>
+          </p:nvPr>
+        </p:nvSpPr>
+        <p:spPr/>
+        <p:txBody>
+          <a:bodyPr/>
+          <a:lstStyle/>
+          <a:p>
+            <a:r>
+              <a:rPr lang="en-US" dirty="0"/>
+              <a:t>Picasso problem</a:t>
+            </a:r>
+          </a:p>
+        </p:txBody>
+      </p:sp>
+      <p:sp>
+        <p:nvSpPr>
+          <p:cNvPr id="3" name="Content Placeholder 2">
+            <a:extLst>
+              <a:ext uri="{FF2B5EF4-FFF2-40B4-BE49-F238E27FC236}">
+                <a16:creationId xmlns:a16="http://schemas.microsoft.com/office/drawing/2014/main" id="{CA2D0D0A-FEE8-49B4-BC82-F4D09C325919}"/>
+              </a:ext>
+            </a:extLst>
+          </p:cNvPr>
+          <p:cNvSpPr>
+            <a:spLocks noGrp="1"/>
+          </p:cNvSpPr>
+          <p:nvPr>
+            <p:ph idx="1"/>
+          </p:nvPr>
+        </p:nvSpPr>
+        <p:spPr/>
+        <p:txBody>
+          <a:bodyPr/>
+          <a:lstStyle/>
+          <a:p>
+            <a:r>
+              <a:rPr lang="en-US" dirty="0"/>
+              <a:t>When ignoring the position of element making a specific object, </a:t>
+            </a:r>
+          </a:p>
+          <a:p>
+            <a:r>
+              <a:rPr lang="en-US" dirty="0"/>
+              <a:t>We can identify a human face even if it’s parts doesn’t align </a:t>
+            </a:r>
+          </a:p>
+          <a:p>
+            <a:endParaRPr lang="en-US" dirty="0"/>
+          </a:p>
+          <a:p>
+            <a:r>
+              <a:rPr lang="en-US" dirty="0"/>
+              <a:t>Routing by agreement method is a possible solution </a:t>
+            </a:r>
+          </a:p>
+        </p:txBody>
+      </p:sp>
+      <p:pic>
+        <p:nvPicPr>
+          <p:cNvPr id="1026" name="Picture 2" descr="A picture containing text&#10;&#10;Description automatically generated">
+            <a:extLst>
+              <a:ext uri="{FF2B5EF4-FFF2-40B4-BE49-F238E27FC236}">
+                <a16:creationId xmlns:a16="http://schemas.microsoft.com/office/drawing/2014/main" id="{9C7B7489-61D6-4172-B040-429BEC43F4FE}"/>
+              </a:ext>
+            </a:extLst>
+          </p:cNvPr>
+          <p:cNvPicPr>
+            <a:picLocks noChangeAspect="1" noChangeArrowheads="1"/>
+          </p:cNvPicPr>
+          <p:nvPr/>
+        </p:nvPicPr>
+        <p:blipFill>
+          <a:blip r:embed="rId3">
+            <a:extLst>
+              <a:ext uri="{28A0092B-C50C-407E-A947-70E740481C1C}">
+                <a14:useLocalDpi xmlns:a14="http://schemas.microsoft.com/office/drawing/2010/main" val="0"/>
+              </a:ext>
+            </a:extLst>
+          </a:blip>
+          <a:srcRect/>
+          <a:stretch>
+            <a:fillRect/>
+          </a:stretch>
+        </p:blipFill>
+        <p:spPr bwMode="auto">
+          <a:xfrm>
+            <a:off x="8633862" y="1998462"/>
+            <a:ext cx="2926080" cy="4041892"/>
+          </a:xfrm>
+          <a:prstGeom prst="rect">
+            <a:avLst/>
+          </a:prstGeom>
+          <a:noFill/>
+        </p:spPr>
+      </p:pic>
+    </p:spTree>
+    <p:extLst>
+      <p:ext uri="{BB962C8B-B14F-4D97-AF65-F5344CB8AC3E}">
+        <p14:creationId xmlns:p14="http://schemas.microsoft.com/office/powerpoint/2010/main" val="2977133019"/>
+      </p:ext>
+    </p:extLst>
+  </p:cSld>
+  <p:clrMapOvr>
+    <a:masterClrMapping/>
+  </p:clrMapOvr>
+</p:sld>
+</file>
+
+<file path=ppt/slides/slide11.xml><?xml version="1.0" encoding="utf-8"?>
+<p:sld xmlns:a="http://schemas.openxmlformats.org/drawingml/2006/main" xmlns:r="http://schemas.openxmlformats.org/officeDocument/2006/relationships" xmlns:p="http://schemas.openxmlformats.org/presentationml/2006/main">
+  <p:cSld>
+    <p:spTree>
+      <p:nvGrpSpPr>
+        <p:cNvPr id="1" name=""/>
+        <p:cNvGrpSpPr/>
+        <p:nvPr/>
+      </p:nvGrpSpPr>
+      <p:grpSpPr>
+        <a:xfrm>
+          <a:off x="0" y="0"/>
+          <a:ext cx="0" cy="0"/>
+          <a:chOff x="0" y="0"/>
+          <a:chExt cx="0" cy="0"/>
+        </a:xfrm>
+      </p:grpSpPr>
+      <p:sp>
+        <p:nvSpPr>
+          <p:cNvPr id="2" name="Title 1">
+            <a:extLst>
+              <a:ext uri="{FF2B5EF4-FFF2-40B4-BE49-F238E27FC236}">
+                <a16:creationId xmlns:a16="http://schemas.microsoft.com/office/drawing/2014/main" id="{B198F110-2031-4062-A339-1D8DE74F98A7}"/>
+              </a:ext>
+            </a:extLst>
+          </p:cNvPr>
+          <p:cNvSpPr>
+            <a:spLocks noGrp="1"/>
+          </p:cNvSpPr>
+          <p:nvPr>
+            <p:ph type="title"/>
+          </p:nvPr>
+        </p:nvSpPr>
+        <p:spPr>
+          <a:xfrm>
+            <a:off x="1097280" y="276978"/>
+            <a:ext cx="10058400" cy="1450757"/>
+          </a:xfrm>
+        </p:spPr>
+        <p:txBody>
+          <a:bodyPr anchor="b">
+            <a:normAutofit/>
+          </a:bodyPr>
+          <a:lstStyle/>
+          <a:p>
+            <a:r>
+              <a:rPr lang="en-US" dirty="0"/>
+              <a:t>Routing by agreement </a:t>
+            </a:r>
+          </a:p>
+        </p:txBody>
+      </p:sp>
+      <p:sp>
+        <p:nvSpPr>
+          <p:cNvPr id="3" name="Content Placeholder 2">
+            <a:extLst>
+              <a:ext uri="{FF2B5EF4-FFF2-40B4-BE49-F238E27FC236}">
+                <a16:creationId xmlns:a16="http://schemas.microsoft.com/office/drawing/2014/main" id="{A618F2FC-4893-40EE-B3CB-47A058E1F1DE}"/>
+              </a:ext>
+            </a:extLst>
+          </p:cNvPr>
+          <p:cNvSpPr>
+            <a:spLocks noGrp="1"/>
+          </p:cNvSpPr>
+          <p:nvPr>
+            <p:ph sz="half" idx="1"/>
+          </p:nvPr>
+        </p:nvSpPr>
+        <p:spPr>
+          <a:xfrm>
+            <a:off x="1097280" y="2120900"/>
+            <a:ext cx="4639736" cy="3748193"/>
+          </a:xfrm>
+        </p:spPr>
+        <p:txBody>
+          <a:bodyPr>
+            <a:normAutofit lnSpcReduction="10000"/>
+          </a:bodyPr>
+          <a:lstStyle/>
+          <a:p>
+            <a:pPr>
+              <a:lnSpc>
+                <a:spcPct val="150000"/>
+              </a:lnSpc>
+            </a:pPr>
+            <a:r>
+              <a:rPr lang="en-US" dirty="0"/>
+              <a:t>Summing the vectors – low level capsules </a:t>
+            </a:r>
+          </a:p>
+          <a:p>
+            <a:pPr>
+              <a:lnSpc>
+                <a:spcPct val="150000"/>
+              </a:lnSpc>
+            </a:pPr>
+            <a:r>
+              <a:rPr lang="en-US" dirty="0"/>
+              <a:t>Finding clusters of agreement and routing only them to higher level capsules that agrees with them</a:t>
+            </a:r>
+          </a:p>
+          <a:p>
+            <a:pPr>
+              <a:lnSpc>
+                <a:spcPct val="150000"/>
+              </a:lnSpc>
+            </a:pPr>
+            <a:endParaRPr lang="en-US" dirty="0"/>
+          </a:p>
+          <a:p>
+            <a:pPr>
+              <a:lnSpc>
+                <a:spcPct val="150000"/>
+              </a:lnSpc>
+            </a:pPr>
+            <a:endParaRPr lang="en-US" dirty="0"/>
+          </a:p>
+          <a:p>
+            <a:pPr>
+              <a:lnSpc>
+                <a:spcPct val="150000"/>
+              </a:lnSpc>
+            </a:pPr>
+            <a:r>
+              <a:rPr lang="en-US" dirty="0"/>
+              <a:t>We used 3 routing iteration</a:t>
+            </a:r>
+          </a:p>
+        </p:txBody>
+      </p:sp>
+      <p:pic>
+        <p:nvPicPr>
+          <p:cNvPr id="5" name="Picture 4" descr="A picture containing graphical user interface&#10;&#10;Description automatically generated">
+            <a:extLst>
+              <a:ext uri="{FF2B5EF4-FFF2-40B4-BE49-F238E27FC236}">
+                <a16:creationId xmlns:a16="http://schemas.microsoft.com/office/drawing/2014/main" id="{74E7EE49-8962-4101-B4E2-F49BA11A1869}"/>
+              </a:ext>
+            </a:extLst>
+          </p:cNvPr>
+          <p:cNvPicPr>
+            <a:picLocks noChangeAspect="1"/>
+          </p:cNvPicPr>
+          <p:nvPr/>
+        </p:nvPicPr>
+        <p:blipFill>
+          <a:blip r:embed="rId3"/>
+          <a:stretch>
+            <a:fillRect/>
+          </a:stretch>
+        </p:blipFill>
+        <p:spPr>
+          <a:xfrm>
+            <a:off x="6192670" y="3429000"/>
+            <a:ext cx="5614071" cy="2133346"/>
+          </a:xfrm>
+          <a:prstGeom prst="rect">
+            <a:avLst/>
+          </a:prstGeom>
+          <a:noFill/>
+        </p:spPr>
+      </p:pic>
+      <p:pic>
+        <p:nvPicPr>
+          <p:cNvPr id="11" name="Picture 10" descr="Diagram&#10;&#10;Description automatically generated with low confidence">
+            <a:extLst>
+              <a:ext uri="{FF2B5EF4-FFF2-40B4-BE49-F238E27FC236}">
+                <a16:creationId xmlns:a16="http://schemas.microsoft.com/office/drawing/2014/main" id="{B4A496FB-0630-4D4B-B1E0-CE1E2D97642D}"/>
+              </a:ext>
+            </a:extLst>
+          </p:cNvPr>
+          <p:cNvPicPr>
+            <a:picLocks noChangeAspect="1"/>
+          </p:cNvPicPr>
+          <p:nvPr/>
+        </p:nvPicPr>
+        <p:blipFill>
+          <a:blip r:embed="rId4"/>
+          <a:stretch>
+            <a:fillRect/>
+          </a:stretch>
+        </p:blipFill>
+        <p:spPr>
+          <a:xfrm>
+            <a:off x="5973781" y="3429000"/>
+            <a:ext cx="6051848" cy="2227416"/>
+          </a:xfrm>
+          <a:prstGeom prst="rect">
+            <a:avLst/>
+          </a:prstGeom>
+        </p:spPr>
+      </p:pic>
+    </p:spTree>
+    <p:extLst>
+      <p:ext uri="{BB962C8B-B14F-4D97-AF65-F5344CB8AC3E}">
+        <p14:creationId xmlns:p14="http://schemas.microsoft.com/office/powerpoint/2010/main" val="1830783596"/>
+      </p:ext>
+    </p:extLst>
+  </p:cSld>
+  <p:clrMapOvr>
+    <a:masterClrMapping/>
+  </p:clrMapOvr>
+  <p:timing>
+    <p:tnLst>
+      <p:par>
+        <p:cTn id="1" dur="indefinite" restart="never" nodeType="tmRoot">
+          <p:childTnLst>
+            <p:seq concurrent="1" nextAc="seek">
+              <p:cTn id="2" dur="indefinite" nodeType="mainSeq">
+                <p:childTnLst>
+                  <p:par>
+                    <p:cTn id="3" fill="hold">
+                      <p:stCondLst>
+                        <p:cond delay="indefinite"/>
+                      </p:stCondLst>
+                      <p:childTnLst>
+                        <p:par>
+                          <p:cTn id="4" fill="hold">
+                            <p:stCondLst>
+                              <p:cond delay="0"/>
+                            </p:stCondLst>
+                            <p:childTnLst>
+                              <p:par>
+                                <p:cTn id="5" presetID="10" presetClass="entr" presetSubtype="0" fill="hold" nodeType="clickEffect">
+                                  <p:stCondLst>
+                                    <p:cond delay="0"/>
+                                  </p:stCondLst>
+                                  <p:childTnLst>
+                                    <p:set>
+                                      <p:cBhvr>
+                                        <p:cTn id="6" dur="1" fill="hold">
+                                          <p:stCondLst>
+                                            <p:cond delay="0"/>
+                                          </p:stCondLst>
+                                        </p:cTn>
+                                        <p:tgtEl>
+                                          <p:spTgt spid="11"/>
+                                        </p:tgtEl>
+                                        <p:attrNameLst>
+                                          <p:attrName>style.visibility</p:attrName>
+                                        </p:attrNameLst>
+                                      </p:cBhvr>
+                                      <p:to>
+                                        <p:strVal val="visible"/>
+                                      </p:to>
+                                    </p:set>
+                                    <p:animEffect transition="in" filter="fade">
+                                      <p:cBhvr>
+                                        <p:cTn id="7" dur="500"/>
+                                        <p:tgtEl>
+                                          <p:spTgt spid="11"/>
+                                        </p:tgtEl>
+                                      </p:cBhvr>
+                                    </p:animEffect>
+                                  </p:childTnLst>
+                                </p:cTn>
+                              </p:par>
+                            </p:childTnLst>
+                          </p:cTn>
+                        </p:par>
+                      </p:childTnLst>
+                    </p:cTn>
+                  </p:par>
+                </p:childTnLst>
+              </p:cTn>
+              <p:prevCondLst>
+                <p:cond evt="onPrev" delay="0">
+                  <p:tgtEl>
+                    <p:sldTgt/>
+                  </p:tgtEl>
+                </p:cond>
+              </p:prevCondLst>
+              <p:nextCondLst>
+                <p:cond evt="onNext" delay="0">
+                  <p:tgtEl>
+                    <p:sldTgt/>
+                  </p:tgtEl>
+                </p:cond>
+              </p:nextCondLst>
+            </p:seq>
+          </p:childTnLst>
+        </p:cTn>
+      </p:par>
+    </p:tnLst>
+  </p:timing>
+</p:sld>
+</file>
+
+<file path=ppt/slides/slide12.xml><?xml version="1.0" encoding="utf-8"?>
+<p:sld xmlns:a="http://schemas.openxmlformats.org/drawingml/2006/main" xmlns:r="http://schemas.openxmlformats.org/officeDocument/2006/relationships" xmlns:p="http://schemas.openxmlformats.org/presentationml/2006/main">
+  <p:cSld>
+    <p:spTree>
+      <p:nvGrpSpPr>
+        <p:cNvPr id="1" name=""/>
+        <p:cNvGrpSpPr/>
+        <p:nvPr/>
+      </p:nvGrpSpPr>
+      <p:grpSpPr>
+        <a:xfrm>
+          <a:off x="0" y="0"/>
+          <a:ext cx="0" cy="0"/>
+          <a:chOff x="0" y="0"/>
+          <a:chExt cx="0" cy="0"/>
+        </a:xfrm>
+      </p:grpSpPr>
+      <p:sp>
+        <p:nvSpPr>
+          <p:cNvPr id="2" name="Title 1">
+            <a:extLst>
+              <a:ext uri="{FF2B5EF4-FFF2-40B4-BE49-F238E27FC236}">
+                <a16:creationId xmlns:a16="http://schemas.microsoft.com/office/drawing/2014/main" id="{2A9821CB-1ECF-42E0-8713-D6DE722E9AC5}"/>
+              </a:ext>
+            </a:extLst>
+          </p:cNvPr>
+          <p:cNvSpPr>
+            <a:spLocks noGrp="1"/>
+          </p:cNvSpPr>
+          <p:nvPr>
+            <p:ph type="title"/>
+          </p:nvPr>
+        </p:nvSpPr>
+        <p:spPr/>
+        <p:txBody>
+          <a:bodyPr/>
+          <a:lstStyle/>
+          <a:p>
+            <a:r>
+              <a:rPr lang="en-US" dirty="0"/>
+              <a:t>Non-linearity</a:t>
+            </a:r>
+          </a:p>
+        </p:txBody>
+      </p:sp>
+      <p:sp>
+        <p:nvSpPr>
+          <p:cNvPr id="3" name="Content Placeholder 2">
+            <a:extLst>
+              <a:ext uri="{FF2B5EF4-FFF2-40B4-BE49-F238E27FC236}">
+                <a16:creationId xmlns:a16="http://schemas.microsoft.com/office/drawing/2014/main" id="{3AA43C11-BF68-4EE2-BE59-EB0B247FBE9C}"/>
+              </a:ext>
+            </a:extLst>
+          </p:cNvPr>
+          <p:cNvSpPr>
+            <a:spLocks noGrp="1"/>
+          </p:cNvSpPr>
+          <p:nvPr>
+            <p:ph sz="half" idx="1"/>
+          </p:nvPr>
+        </p:nvSpPr>
+        <p:spPr>
+          <a:xfrm>
+            <a:off x="1097280" y="2120900"/>
+            <a:ext cx="9059974" cy="3748193"/>
+          </a:xfrm>
+        </p:spPr>
+        <p:txBody>
+          <a:bodyPr>
+            <a:normAutofit/>
+          </a:bodyPr>
+          <a:lstStyle/>
+          <a:p>
+            <a:pPr algn="l">
+              <a:lnSpc>
+                <a:spcPct val="150000"/>
+              </a:lnSpc>
+            </a:pPr>
+            <a:r>
+              <a:rPr lang="en-US" b="0" i="0" dirty="0">
+                <a:solidFill>
+                  <a:srgbClr val="292929"/>
+                </a:solidFill>
+                <a:effectLst/>
+              </a:rPr>
+              <a:t>It is especially used for models where we have to </a:t>
+            </a:r>
+            <a:r>
+              <a:rPr lang="en-US" i="0" dirty="0">
+                <a:solidFill>
+                  <a:srgbClr val="292929"/>
+                </a:solidFill>
+                <a:effectLst/>
+              </a:rPr>
+              <a:t>predict the probability </a:t>
+            </a:r>
+            <a:r>
+              <a:rPr lang="en-US" b="0" i="0" dirty="0">
+                <a:solidFill>
+                  <a:srgbClr val="292929"/>
+                </a:solidFill>
+                <a:effectLst/>
+              </a:rPr>
+              <a:t>as an output </a:t>
+            </a:r>
+          </a:p>
+          <a:p>
+            <a:pPr algn="l">
+              <a:lnSpc>
+                <a:spcPct val="150000"/>
+              </a:lnSpc>
+            </a:pPr>
+            <a:r>
+              <a:rPr lang="en-US" dirty="0">
+                <a:solidFill>
+                  <a:srgbClr val="292929"/>
+                </a:solidFill>
+              </a:rPr>
+              <a:t>We want to predict the probability of relations of the different </a:t>
+            </a:r>
+            <a:r>
+              <a:rPr lang="en-US">
+                <a:solidFill>
+                  <a:srgbClr val="292929"/>
+                </a:solidFill>
+              </a:rPr>
+              <a:t>level capsules</a:t>
+            </a:r>
+            <a:endParaRPr lang="en-US" dirty="0"/>
+          </a:p>
+        </p:txBody>
+      </p:sp>
+    </p:spTree>
+    <p:extLst>
+      <p:ext uri="{BB962C8B-B14F-4D97-AF65-F5344CB8AC3E}">
+        <p14:creationId xmlns:p14="http://schemas.microsoft.com/office/powerpoint/2010/main" val="4017460558"/>
+      </p:ext>
+    </p:extLst>
+  </p:cSld>
+  <p:clrMapOvr>
+    <a:masterClrMapping/>
+  </p:clrMapOvr>
+</p:sld>
+</file>
+
+<file path=ppt/slides/slide13.xml><?xml version="1.0" encoding="utf-8"?>
+<p:sld xmlns:a="http://schemas.openxmlformats.org/drawingml/2006/main" xmlns:r="http://schemas.openxmlformats.org/officeDocument/2006/relationships" xmlns:p="http://schemas.openxmlformats.org/presentationml/2006/main">
+  <p:cSld>
+    <p:spTree>
+      <p:nvGrpSpPr>
+        <p:cNvPr id="1" name=""/>
+        <p:cNvGrpSpPr/>
+        <p:nvPr/>
+      </p:nvGrpSpPr>
+      <p:grpSpPr>
+        <a:xfrm>
+          <a:off x="0" y="0"/>
+          <a:ext cx="0" cy="0"/>
+          <a:chOff x="0" y="0"/>
+          <a:chExt cx="0" cy="0"/>
+        </a:xfrm>
+      </p:grpSpPr>
       <p:pic>
         <p:nvPicPr>
           <p:cNvPr id="8" name="Online Media 7" title="Introduction to Capsules by Sara Sabour, Google">
@@ -4737,7 +6142,7 @@
 </p:sld>
 </file>
 
-<file path=ppt/slides/slide11.xml><?xml version="1.0" encoding="utf-8"?>
+<file path=ppt/slides/slide14.xml><?xml version="1.0" encoding="utf-8"?>
 <p:sld xmlns:a="http://schemas.openxmlformats.org/drawingml/2006/main" xmlns:r="http://schemas.openxmlformats.org/officeDocument/2006/relationships" xmlns:p="http://schemas.openxmlformats.org/presentationml/2006/main">
   <p:cSld>
     <p:spTree>
@@ -4785,6 +6190,20 @@
             <a:pPr marL="0" indent="0">
               <a:buNone/>
             </a:pPr>
+            <a:br>
+              <a:rPr lang="en-US" sz="3600" dirty="0"/>
+            </a:br>
+            <a:r>
+              <a:rPr lang="en-US" sz="3600" dirty="0"/>
+              <a:t>Classical </a:t>
+            </a:r>
+            <a:r>
+              <a:rPr lang="en-US" sz="3600" dirty="0" err="1"/>
+              <a:t>capsnet</a:t>
+            </a:r>
+            <a:br>
+              <a:rPr lang="en-US" sz="1900" dirty="0"/>
+            </a:br>
             <a:r>
               <a:rPr lang="en-US" sz="1900" dirty="0"/>
               <a:t>Starts as fully connected</a:t>
@@ -4807,7 +6226,7 @@
           <p:nvPr/>
         </p:nvPicPr>
         <p:blipFill>
-          <a:blip r:embed="rId2"/>
+          <a:blip r:embed="rId3"/>
           <a:stretch>
             <a:fillRect/>
           </a:stretch>
@@ -4835,7 +6254,7 @@
 </p:sld>
 </file>
 
-<file path=ppt/slides/slide12.xml><?xml version="1.0" encoding="utf-8"?>
+<file path=ppt/slides/slide15.xml><?xml version="1.0" encoding="utf-8"?>
 <p:sld xmlns:a="http://schemas.openxmlformats.org/drawingml/2006/main" xmlns:r="http://schemas.openxmlformats.org/officeDocument/2006/relationships" xmlns:p="http://schemas.openxmlformats.org/presentationml/2006/main">
   <p:cSld>
     <p:spTree>
@@ -4854,10 +6273,149 @@
       </p:grpSpPr>
       <p:sp>
         <p:nvSpPr>
+          <p:cNvPr id="2" name="Title 1">
+            <a:extLst>
+              <a:ext uri="{FF2B5EF4-FFF2-40B4-BE49-F238E27FC236}">
+                <a16:creationId xmlns:a16="http://schemas.microsoft.com/office/drawing/2014/main" id="{9EC68C7D-C308-4506-A8AB-4B4E577A8C5D}"/>
+              </a:ext>
+            </a:extLst>
+          </p:cNvPr>
+          <p:cNvSpPr>
+            <a:spLocks noGrp="1"/>
+          </p:cNvSpPr>
+          <p:nvPr>
+            <p:ph type="title"/>
+          </p:nvPr>
+        </p:nvSpPr>
+        <p:spPr/>
+        <p:txBody>
+          <a:bodyPr/>
+          <a:lstStyle/>
+          <a:p>
+            <a:r>
+              <a:rPr lang="en-US" dirty="0"/>
+              <a:t>Loss function</a:t>
+            </a:r>
+          </a:p>
+        </p:txBody>
+      </p:sp>
+      <p:sp>
+        <p:nvSpPr>
           <p:cNvPr id="3" name="Content Placeholder 2">
             <a:extLst>
               <a:ext uri="{FF2B5EF4-FFF2-40B4-BE49-F238E27FC236}">
-                <a16:creationId xmlns:a16="http://schemas.microsoft.com/office/drawing/2014/main" id="{3B348B73-0B69-4FA1-A340-D94C82146B29}"/>
+                <a16:creationId xmlns:a16="http://schemas.microsoft.com/office/drawing/2014/main" id="{73B15D54-13DF-4FF5-878D-47ABE9C0FD7D}"/>
+              </a:ext>
+            </a:extLst>
+          </p:cNvPr>
+          <p:cNvSpPr>
+            <a:spLocks noGrp="1"/>
+          </p:cNvSpPr>
+          <p:nvPr>
+            <p:ph sz="half" idx="1"/>
+          </p:nvPr>
+        </p:nvSpPr>
+        <p:spPr/>
+        <p:txBody>
+          <a:bodyPr/>
+          <a:lstStyle/>
+          <a:p>
+            <a:pPr>
+              <a:lnSpc>
+                <a:spcPct val="150000"/>
+              </a:lnSpc>
+            </a:pPr>
+            <a:r>
+              <a:rPr lang="en-US" dirty="0"/>
+              <a:t>To allow multiple classes (MNIST digits) </a:t>
+            </a:r>
+            <a:r>
+              <a:rPr lang="en-US" dirty="0" err="1"/>
+              <a:t>capsnet</a:t>
+            </a:r>
+            <a:r>
+              <a:rPr lang="en-US" dirty="0"/>
+              <a:t> uses separate margin loss for each class capsule</a:t>
+            </a:r>
+          </a:p>
+          <a:p>
+            <a:pPr>
+              <a:lnSpc>
+                <a:spcPct val="150000"/>
+              </a:lnSpc>
+            </a:pPr>
+            <a:r>
+              <a:rPr lang="en-US" dirty="0"/>
+              <a:t>Total loss is simply the sum of the losses of all class’s capsules</a:t>
+            </a:r>
+          </a:p>
+        </p:txBody>
+      </p:sp>
+      <p:pic>
+        <p:nvPicPr>
+          <p:cNvPr id="6" name="Content Placeholder 5" descr="Text, letter&#10;&#10;Description automatically generated">
+            <a:extLst>
+              <a:ext uri="{FF2B5EF4-FFF2-40B4-BE49-F238E27FC236}">
+                <a16:creationId xmlns:a16="http://schemas.microsoft.com/office/drawing/2014/main" id="{605C6ECD-10AD-4D46-B11E-77521CE703F4}"/>
+              </a:ext>
+            </a:extLst>
+          </p:cNvPr>
+          <p:cNvPicPr>
+            <a:picLocks noGrp="1" noChangeAspect="1"/>
+          </p:cNvPicPr>
+          <p:nvPr>
+            <p:ph sz="half" idx="2"/>
+          </p:nvPr>
+        </p:nvPicPr>
+        <p:blipFill>
+          <a:blip r:embed="rId3"/>
+          <a:stretch>
+            <a:fillRect/>
+          </a:stretch>
+        </p:blipFill>
+        <p:spPr>
+          <a:xfrm>
+            <a:off x="6516688" y="2348214"/>
+            <a:ext cx="4638675" cy="3293459"/>
+          </a:xfrm>
+        </p:spPr>
+      </p:pic>
+    </p:spTree>
+    <p:extLst>
+      <p:ext uri="{BB962C8B-B14F-4D97-AF65-F5344CB8AC3E}">
+        <p14:creationId xmlns:p14="http://schemas.microsoft.com/office/powerpoint/2010/main" val="3950268413"/>
+      </p:ext>
+    </p:extLst>
+  </p:cSld>
+  <p:clrMapOvr>
+    <a:masterClrMapping/>
+  </p:clrMapOvr>
+</p:sld>
+</file>
+
+<file path=ppt/slides/slide16.xml><?xml version="1.0" encoding="utf-8"?>
+<p:sld xmlns:a="http://schemas.openxmlformats.org/drawingml/2006/main" xmlns:r="http://schemas.openxmlformats.org/officeDocument/2006/relationships" xmlns:p="http://schemas.openxmlformats.org/presentationml/2006/main">
+  <p:cSld>
+    <p:spTree>
+      <p:nvGrpSpPr>
+        <p:cNvPr id="1" name=""/>
+        <p:cNvGrpSpPr/>
+        <p:nvPr/>
+      </p:nvGrpSpPr>
+      <p:grpSpPr>
+        <a:xfrm>
+          <a:off x="0" y="0"/>
+          <a:ext cx="0" cy="0"/>
+          <a:chOff x="0" y="0"/>
+          <a:chExt cx="0" cy="0"/>
+        </a:xfrm>
+      </p:grpSpPr>
+      <p:sp>
+        <p:nvSpPr>
+          <p:cNvPr id="2" name="Title 1">
+            <a:extLst>
+              <a:ext uri="{FF2B5EF4-FFF2-40B4-BE49-F238E27FC236}">
+                <a16:creationId xmlns:a16="http://schemas.microsoft.com/office/drawing/2014/main" id="{99567178-A979-453C-9AE9-9B9DE423E05E}"/>
               </a:ext>
             </a:extLst>
           </p:cNvPr>
@@ -4880,22 +6438,74 @@
           </a:bodyPr>
           <a:lstStyle/>
           <a:p>
-            <a:pPr marL="0" indent="0">
-              <a:buNone/>
-            </a:pPr>
-            <a:r>
-              <a:rPr lang="en-US" sz="1900" dirty="0"/>
-              <a:t>Decoder – reconstructing image</a:t>
+            <a:r>
+              <a:rPr lang="en-US" dirty="0"/>
+              <a:t>Decoder</a:t>
+            </a:r>
+          </a:p>
+        </p:txBody>
+      </p:sp>
+      <p:sp>
+        <p:nvSpPr>
+          <p:cNvPr id="3" name="Content Placeholder 2">
+            <a:extLst>
+              <a:ext uri="{FF2B5EF4-FFF2-40B4-BE49-F238E27FC236}">
+                <a16:creationId xmlns:a16="http://schemas.microsoft.com/office/drawing/2014/main" id="{F65C3E0C-ACEB-4590-97ED-B2A507F1A207}"/>
+              </a:ext>
+            </a:extLst>
+          </p:cNvPr>
+          <p:cNvSpPr>
+            <a:spLocks noGrp="1"/>
+          </p:cNvSpPr>
+          <p:nvPr>
+            <p:ph sz="half" idx="1"/>
+          </p:nvPr>
+        </p:nvSpPr>
+        <p:spPr>
+          <a:xfrm>
+            <a:off x="1097280" y="2120900"/>
+            <a:ext cx="4639736" cy="3748193"/>
+          </a:xfrm>
+        </p:spPr>
+        <p:txBody>
+          <a:bodyPr>
+            <a:normAutofit/>
+          </a:bodyPr>
+          <a:lstStyle/>
+          <a:p>
+            <a:r>
+              <a:rPr lang="en-US" dirty="0"/>
+              <a:t>Very small use of it but it makes the difference </a:t>
+            </a:r>
+          </a:p>
+          <a:p>
+            <a:r>
+              <a:rPr lang="en-US" dirty="0"/>
+              <a:t>Feedback loop to keep spatial</a:t>
+            </a:r>
+          </a:p>
+          <a:p>
+            <a:r>
+              <a:rPr lang="en-US" dirty="0"/>
+              <a:t>comparing the input object to the reconstructed object with </a:t>
+            </a:r>
+            <a:r>
+              <a:rPr lang="en-US" dirty="0" err="1"/>
+              <a:t>MSELoss</a:t>
+            </a:r>
+            <a:r>
+              <a:rPr lang="en-US" dirty="0"/>
+              <a:t> </a:t>
             </a:r>
           </a:p>
         </p:txBody>
       </p:sp>
       <p:pic>
         <p:nvPicPr>
-          <p:cNvPr id="4" name="Picture 3" descr="A picture containing diagram&#10;&#10;Description automatically generated">
+          <p:cNvPr id="6" name="Picture 5" descr="A picture containing diagram&#10;&#10;Description automatically generated">
             <a:extLst>
               <a:ext uri="{FF2B5EF4-FFF2-40B4-BE49-F238E27FC236}">
-                <a16:creationId xmlns:a16="http://schemas.microsoft.com/office/drawing/2014/main" id="{37DE3A95-B82A-4FED-9420-1788768ECAF7}"/>
+                <a16:creationId xmlns:a16="http://schemas.microsoft.com/office/drawing/2014/main" id="{AF270448-9158-49C8-9265-B60CC3FAF037}"/>
               </a:ext>
             </a:extLst>
           </p:cNvPr>
@@ -4905,15 +6515,15 @@
           <p:nvPr/>
         </p:nvPicPr>
         <p:blipFill>
-          <a:blip r:embed="rId2"/>
+          <a:blip r:embed="rId3"/>
           <a:stretch>
             <a:fillRect/>
           </a:stretch>
         </p:blipFill>
         <p:spPr>
           <a:xfrm>
-            <a:off x="1273717" y="2108201"/>
-            <a:ext cx="9705525" cy="3760891"/>
+            <a:off x="4904206" y="3096048"/>
+            <a:ext cx="7156248" cy="2773045"/>
           </a:xfrm>
           <a:prstGeom prst="rect">
             <a:avLst/>
@@ -4924,7 +6534,7 @@
     </p:spTree>
     <p:extLst>
       <p:ext uri="{BB962C8B-B14F-4D97-AF65-F5344CB8AC3E}">
-        <p14:creationId xmlns:p14="http://schemas.microsoft.com/office/powerpoint/2010/main" val="68992565"/>
+        <p14:creationId xmlns:p14="http://schemas.microsoft.com/office/powerpoint/2010/main" val="1831550787"/>
       </p:ext>
     </p:extLst>
   </p:cSld>
@@ -4934,7 +6544,7 @@
 </p:sld>
 </file>
 
-<file path=ppt/slides/slide13.xml><?xml version="1.0" encoding="utf-8"?>
+<file path=ppt/slides/slide17.xml><?xml version="1.0" encoding="utf-8"?>
 <p:sld xmlns:a="http://schemas.openxmlformats.org/drawingml/2006/main" xmlns:r="http://schemas.openxmlformats.org/officeDocument/2006/relationships" xmlns:p="http://schemas.openxmlformats.org/presentationml/2006/main">
   <p:cSld>
     <p:spTree>
@@ -6372,7 +7982,7 @@
           <a:p>
             <a:r>
               <a:rPr lang="en-US" dirty="0"/>
-              <a:t>Key feature – Routing by agreement </a:t>
+              <a:t>Key feature – Routing by agreement</a:t>
             </a:r>
           </a:p>
           <a:p>
@@ -6421,7 +8031,7 @@
           <p:cNvPr id="2" name="Title 1">
             <a:extLst>
               <a:ext uri="{FF2B5EF4-FFF2-40B4-BE49-F238E27FC236}">
-                <a16:creationId xmlns:a16="http://schemas.microsoft.com/office/drawing/2014/main" id="{CEC7C616-83BB-4294-A53E-C38C95351A18}"/>
+                <a16:creationId xmlns:a16="http://schemas.microsoft.com/office/drawing/2014/main" id="{137486C7-A196-466B-A61E-440A0F8CA86B}"/>
               </a:ext>
             </a:extLst>
           </p:cNvPr>
@@ -6434,169 +8044,60 @@
         </p:nvSpPr>
         <p:spPr/>
         <p:txBody>
-          <a:bodyPr>
-            <a:normAutofit fontScale="90000"/>
-          </a:bodyPr>
-          <a:lstStyle/>
-          <a:p>
-            <a:br>
+          <a:bodyPr/>
+          <a:lstStyle/>
+          <a:p>
+            <a:r>
               <a:rPr lang="en-US" dirty="0"/>
-            </a:br>
-            <a:br>
-              <a:rPr lang="en-US" dirty="0"/>
-            </a:br>
-            <a:br>
-              <a:rPr lang="en-US" dirty="0"/>
-            </a:br>
-            <a:br>
-              <a:rPr lang="en-US" dirty="0"/>
-            </a:br>
-            <a:r>
-              <a:rPr lang="en-US" dirty="0"/>
-              <a:t>Capsules		</a:t>
-            </a:r>
-          </a:p>
-        </p:txBody>
-      </p:sp>
-      <p:sp>
-        <p:nvSpPr>
-          <p:cNvPr id="6" name="TextBox 5">
+              <a:t>Coordinate frame </a:t>
+            </a:r>
+          </a:p>
+        </p:txBody>
+      </p:sp>
+      <p:sp>
+        <p:nvSpPr>
+          <p:cNvPr id="3" name="Content Placeholder 2">
             <a:extLst>
               <a:ext uri="{FF2B5EF4-FFF2-40B4-BE49-F238E27FC236}">
-                <a16:creationId xmlns:a16="http://schemas.microsoft.com/office/drawing/2014/main" id="{440D6842-CE61-4139-BF39-A53634551996}"/>
+                <a16:creationId xmlns:a16="http://schemas.microsoft.com/office/drawing/2014/main" id="{963881D9-B768-4F2E-9EF3-081288B04A5B}"/>
               </a:ext>
             </a:extLst>
           </p:cNvPr>
-          <p:cNvSpPr txBox="1"/>
-          <p:nvPr/>
-        </p:nvSpPr>
-        <p:spPr>
-          <a:xfrm>
-            <a:off x="1203352" y="2229870"/>
-            <a:ext cx="8615918" cy="2257541"/>
-          </a:xfrm>
-          <a:prstGeom prst="rect">
-            <a:avLst/>
-          </a:prstGeom>
-          <a:noFill/>
-        </p:spPr>
-        <p:txBody>
-          <a:bodyPr wrap="square" rtlCol="0">
-            <a:spAutoFit/>
-          </a:bodyPr>
-          <a:lstStyle/>
-          <a:p>
-            <a:pPr>
-              <a:lnSpc>
-                <a:spcPct val="150000"/>
-              </a:lnSpc>
-            </a:pPr>
-            <a:r>
-              <a:rPr lang="en-US" dirty="0">
-                <a:solidFill>
-                  <a:schemeClr val="tx1">
-                    <a:lumMod val="75000"/>
-                    <a:lumOff val="25000"/>
-                  </a:schemeClr>
-                </a:solidFill>
-              </a:rPr>
-              <a:t>Usually in a Neural Network we care about the existence of the pattern, but in order to know </a:t>
-            </a:r>
-            <a:r>
-              <a:rPr lang="en-US" sz="2000" b="1" dirty="0">
-                <a:solidFill>
-                  <a:schemeClr val="tx1">
-                    <a:lumMod val="75000"/>
-                    <a:lumOff val="25000"/>
-                  </a:schemeClr>
-                </a:solidFill>
-              </a:rPr>
-              <a:t>how it exists </a:t>
-            </a:r>
-            <a:r>
-              <a:rPr lang="en-US" dirty="0">
-                <a:solidFill>
-                  <a:schemeClr val="tx1">
-                    <a:lumMod val="75000"/>
-                    <a:lumOff val="25000"/>
-                  </a:schemeClr>
-                </a:solidFill>
-              </a:rPr>
-              <a:t>we use a concept called </a:t>
-            </a:r>
-            <a:r>
-              <a:rPr lang="en-US" sz="2400" b="1" dirty="0">
-                <a:solidFill>
-                  <a:schemeClr val="tx1">
-                    <a:lumMod val="75000"/>
-                    <a:lumOff val="25000"/>
-                  </a:schemeClr>
-                </a:solidFill>
-              </a:rPr>
-              <a:t>capsules</a:t>
-            </a:r>
-          </a:p>
-          <a:p>
-            <a:pPr>
-              <a:lnSpc>
-                <a:spcPct val="150000"/>
-              </a:lnSpc>
-            </a:pPr>
-            <a:r>
-              <a:rPr lang="en-US" dirty="0">
-                <a:solidFill>
-                  <a:schemeClr val="tx1">
-                    <a:lumMod val="75000"/>
-                    <a:lumOff val="25000"/>
-                  </a:schemeClr>
-                </a:solidFill>
-              </a:rPr>
-              <a:t>We call a group of neuron a capsule and refer to the relation between them</a:t>
-            </a:r>
-            <a:r>
-              <a:rPr lang="en-US" b="1" dirty="0">
-                <a:solidFill>
-                  <a:schemeClr val="tx1">
-                    <a:lumMod val="75000"/>
-                    <a:lumOff val="25000"/>
-                  </a:schemeClr>
-                </a:solidFill>
-              </a:rPr>
-              <a:t> – </a:t>
-            </a:r>
-            <a:r>
-              <a:rPr lang="en-US" dirty="0">
-                <a:solidFill>
-                  <a:schemeClr val="tx1">
-                    <a:lumMod val="75000"/>
-                    <a:lumOff val="25000"/>
-                  </a:schemeClr>
-                </a:solidFill>
-              </a:rPr>
-              <a:t>an object is made from several parts and it only exist if all the parts exist in the proper manner </a:t>
-            </a:r>
-          </a:p>
-          <a:p>
-            <a:pPr>
-              <a:lnSpc>
-                <a:spcPct val="150000"/>
-              </a:lnSpc>
-            </a:pPr>
-            <a:endParaRPr lang="en-US" dirty="0">
-              <a:solidFill>
-                <a:schemeClr val="tx1">
-                  <a:lumMod val="75000"/>
-                  <a:lumOff val="25000"/>
-                </a:schemeClr>
-              </a:solidFill>
-            </a:endParaRPr>
+          <p:cNvSpPr>
+            <a:spLocks noGrp="1"/>
+          </p:cNvSpPr>
+          <p:nvPr>
+            <p:ph idx="1"/>
+          </p:nvPr>
+        </p:nvSpPr>
+        <p:spPr/>
+        <p:txBody>
+          <a:bodyPr/>
+          <a:lstStyle/>
+          <a:p>
+            <a:r>
+              <a:rPr lang="en-US" dirty="0"/>
+              <a:t>Geometrical aspects like position, scale, rotation</a:t>
+            </a:r>
+          </a:p>
+          <a:p>
+            <a:r>
+              <a:rPr lang="en-US" dirty="0"/>
+              <a:t>In math terms it is a vector, and the relation between them is a transformation matrix </a:t>
+            </a:r>
+          </a:p>
+          <a:p>
+            <a:r>
+              <a:rPr lang="en-US" dirty="0"/>
+              <a:t>We then can preserve position and pose data which is very important for meteorologic predictions  </a:t>
+            </a:r>
           </a:p>
         </p:txBody>
       </p:sp>
     </p:spTree>
     <p:extLst>
       <p:ext uri="{BB962C8B-B14F-4D97-AF65-F5344CB8AC3E}">
-        <p14:creationId xmlns:p14="http://schemas.microsoft.com/office/powerpoint/2010/main" val="245834502"/>
+        <p14:creationId xmlns:p14="http://schemas.microsoft.com/office/powerpoint/2010/main" val="1496729402"/>
       </p:ext>
     </p:extLst>
   </p:cSld>
@@ -6628,7 +8129,7 @@
           <p:cNvPr id="2" name="Title 1">
             <a:extLst>
               <a:ext uri="{FF2B5EF4-FFF2-40B4-BE49-F238E27FC236}">
-                <a16:creationId xmlns:a16="http://schemas.microsoft.com/office/drawing/2014/main" id="{B198F110-2031-4062-A339-1D8DE74F98A7}"/>
+                <a16:creationId xmlns:a16="http://schemas.microsoft.com/office/drawing/2014/main" id="{CEC7C616-83BB-4294-A53E-C38C95351A18}"/>
               </a:ext>
             </a:extLst>
           </p:cNvPr>
@@ -6639,257 +8140,177 @@
             <p:ph type="title"/>
           </p:nvPr>
         </p:nvSpPr>
+        <p:spPr/>
+        <p:txBody>
+          <a:bodyPr>
+            <a:normAutofit fontScale="90000"/>
+          </a:bodyPr>
+          <a:lstStyle/>
+          <a:p>
+            <a:br>
+              <a:rPr lang="en-US" dirty="0"/>
+            </a:br>
+            <a:br>
+              <a:rPr lang="en-US" dirty="0"/>
+            </a:br>
+            <a:br>
+              <a:rPr lang="en-US" dirty="0"/>
+            </a:br>
+            <a:br>
+              <a:rPr lang="en-US" dirty="0"/>
+            </a:br>
+            <a:r>
+              <a:rPr lang="en-US" dirty="0"/>
+              <a:t>Capsules		</a:t>
+            </a:r>
+          </a:p>
+        </p:txBody>
+      </p:sp>
+      <p:sp>
+        <p:nvSpPr>
+          <p:cNvPr id="6" name="TextBox 5">
+            <a:extLst>
+              <a:ext uri="{FF2B5EF4-FFF2-40B4-BE49-F238E27FC236}">
+                <a16:creationId xmlns:a16="http://schemas.microsoft.com/office/drawing/2014/main" id="{440D6842-CE61-4139-BF39-A53634551996}"/>
+              </a:ext>
+            </a:extLst>
+          </p:cNvPr>
+          <p:cNvSpPr txBox="1"/>
+          <p:nvPr/>
+        </p:nvSpPr>
         <p:spPr>
           <a:xfrm>
-            <a:off x="1097280" y="286603"/>
-            <a:ext cx="10058400" cy="1450757"/>
-          </a:xfrm>
-        </p:spPr>
-        <p:txBody>
-          <a:bodyPr anchor="b">
-            <a:normAutofit/>
-          </a:bodyPr>
-          <a:lstStyle/>
-          <a:p>
-            <a:r>
-              <a:rPr lang="en-US" dirty="0"/>
-              <a:t>Routing by agreement </a:t>
-            </a:r>
-          </a:p>
-        </p:txBody>
-      </p:sp>
-      <p:sp>
-        <p:nvSpPr>
-          <p:cNvPr id="3" name="Content Placeholder 2">
-            <a:extLst>
-              <a:ext uri="{FF2B5EF4-FFF2-40B4-BE49-F238E27FC236}">
-                <a16:creationId xmlns:a16="http://schemas.microsoft.com/office/drawing/2014/main" id="{A618F2FC-4893-40EE-B3CB-47A058E1F1DE}"/>
-              </a:ext>
-            </a:extLst>
-          </p:cNvPr>
-          <p:cNvSpPr>
-            <a:spLocks noGrp="1"/>
-          </p:cNvSpPr>
-          <p:nvPr>
-            <p:ph sz="half" idx="1"/>
-          </p:nvPr>
-        </p:nvSpPr>
-        <p:spPr>
-          <a:xfrm>
-            <a:off x="1097280" y="2120900"/>
-            <a:ext cx="4639736" cy="3748193"/>
-          </a:xfrm>
-        </p:spPr>
-        <p:txBody>
-          <a:bodyPr>
-            <a:normAutofit/>
-          </a:bodyPr>
-          <a:lstStyle/>
-          <a:p>
-            <a:pPr>
-              <a:lnSpc>
-                <a:spcPct val="150000"/>
-              </a:lnSpc>
-            </a:pPr>
-            <a:r>
-              <a:rPr lang="en-US" dirty="0"/>
-              <a:t>Summing the vectors – low level capsules </a:t>
-            </a:r>
-          </a:p>
-          <a:p>
-            <a:pPr>
-              <a:lnSpc>
-                <a:spcPct val="150000"/>
-              </a:lnSpc>
-            </a:pPr>
-            <a:r>
-              <a:rPr lang="en-US" dirty="0"/>
-              <a:t>Finding clusters of agreement and routing only them to higher level capsules</a:t>
-            </a:r>
-          </a:p>
-          <a:p>
-            <a:pPr>
-              <a:lnSpc>
-                <a:spcPct val="150000"/>
-              </a:lnSpc>
-            </a:pPr>
-            <a:endParaRPr lang="en-US" dirty="0"/>
-          </a:p>
-          <a:p>
-            <a:pPr>
-              <a:lnSpc>
-                <a:spcPct val="150000"/>
-              </a:lnSpc>
-            </a:pPr>
-            <a:endParaRPr lang="en-US" dirty="0"/>
-          </a:p>
-          <a:p>
-            <a:pPr>
-              <a:lnSpc>
-                <a:spcPct val="150000"/>
-              </a:lnSpc>
-            </a:pPr>
-            <a:r>
-              <a:rPr lang="en-US" dirty="0"/>
-              <a:t>We used 5 routing iteration</a:t>
-            </a:r>
-          </a:p>
-        </p:txBody>
-      </p:sp>
-      <p:pic>
-        <p:nvPicPr>
-          <p:cNvPr id="5" name="Picture 4" descr="A picture containing graphical user interface&#10;&#10;Description automatically generated">
-            <a:extLst>
-              <a:ext uri="{FF2B5EF4-FFF2-40B4-BE49-F238E27FC236}">
-                <a16:creationId xmlns:a16="http://schemas.microsoft.com/office/drawing/2014/main" id="{74E7EE49-8962-4101-B4E2-F49BA11A1869}"/>
-              </a:ext>
-            </a:extLst>
-          </p:cNvPr>
-          <p:cNvPicPr>
-            <a:picLocks noChangeAspect="1"/>
-          </p:cNvPicPr>
-          <p:nvPr/>
-        </p:nvPicPr>
-        <p:blipFill>
-          <a:blip r:embed="rId3"/>
-          <a:stretch>
-            <a:fillRect/>
-          </a:stretch>
-        </p:blipFill>
-        <p:spPr>
-          <a:xfrm>
-            <a:off x="6192670" y="3429000"/>
-            <a:ext cx="5614071" cy="2133346"/>
+            <a:off x="1097280" y="2104742"/>
+            <a:ext cx="8615918" cy="2673039"/>
           </a:xfrm>
           <a:prstGeom prst="rect">
             <a:avLst/>
           </a:prstGeom>
           <a:noFill/>
         </p:spPr>
-      </p:pic>
-      <p:pic>
-        <p:nvPicPr>
-          <p:cNvPr id="11" name="Picture 10" descr="Diagram&#10;&#10;Description automatically generated with low confidence">
-            <a:extLst>
-              <a:ext uri="{FF2B5EF4-FFF2-40B4-BE49-F238E27FC236}">
-                <a16:creationId xmlns:a16="http://schemas.microsoft.com/office/drawing/2014/main" id="{B4A496FB-0630-4D4B-B1E0-CE1E2D97642D}"/>
-              </a:ext>
-            </a:extLst>
-          </p:cNvPr>
-          <p:cNvPicPr>
-            <a:picLocks noChangeAspect="1"/>
-          </p:cNvPicPr>
-          <p:nvPr/>
-        </p:nvPicPr>
-        <p:blipFill>
-          <a:blip r:embed="rId4"/>
-          <a:stretch>
-            <a:fillRect/>
-          </a:stretch>
-        </p:blipFill>
-        <p:spPr>
-          <a:xfrm>
-            <a:off x="5973781" y="3429000"/>
-            <a:ext cx="6051848" cy="2227416"/>
-          </a:xfrm>
-          <a:prstGeom prst="rect">
-            <a:avLst/>
-          </a:prstGeom>
-        </p:spPr>
-      </p:pic>
+        <p:txBody>
+          <a:bodyPr wrap="square" rtlCol="0">
+            <a:spAutoFit/>
+          </a:bodyPr>
+          <a:lstStyle/>
+          <a:p>
+            <a:pPr>
+              <a:lnSpc>
+                <a:spcPct val="150000"/>
+              </a:lnSpc>
+            </a:pPr>
+            <a:r>
+              <a:rPr lang="en-US" dirty="0">
+                <a:solidFill>
+                  <a:schemeClr val="tx1">
+                    <a:lumMod val="75000"/>
+                    <a:lumOff val="25000"/>
+                  </a:schemeClr>
+                </a:solidFill>
+              </a:rPr>
+              <a:t>Usually in a Neural Network we care about the existence of the pattern, but in order to know </a:t>
+            </a:r>
+            <a:r>
+              <a:rPr lang="en-US" sz="2000" b="1" dirty="0">
+                <a:solidFill>
+                  <a:schemeClr val="tx1">
+                    <a:lumMod val="75000"/>
+                    <a:lumOff val="25000"/>
+                  </a:schemeClr>
+                </a:solidFill>
+              </a:rPr>
+              <a:t>how it exists </a:t>
+            </a:r>
+            <a:r>
+              <a:rPr lang="en-US" dirty="0">
+                <a:solidFill>
+                  <a:schemeClr val="tx1">
+                    <a:lumMod val="75000"/>
+                    <a:lumOff val="25000"/>
+                  </a:schemeClr>
+                </a:solidFill>
+              </a:rPr>
+              <a:t>we use a concept called </a:t>
+            </a:r>
+            <a:r>
+              <a:rPr lang="en-US" sz="2400" b="1" dirty="0">
+                <a:solidFill>
+                  <a:schemeClr val="tx1">
+                    <a:lumMod val="75000"/>
+                    <a:lumOff val="25000"/>
+                  </a:schemeClr>
+                </a:solidFill>
+              </a:rPr>
+              <a:t>capsules</a:t>
+            </a:r>
+          </a:p>
+          <a:p>
+            <a:pPr>
+              <a:lnSpc>
+                <a:spcPct val="150000"/>
+              </a:lnSpc>
+            </a:pPr>
+            <a:r>
+              <a:rPr lang="en-US" dirty="0">
+                <a:solidFill>
+                  <a:schemeClr val="tx1">
+                    <a:lumMod val="75000"/>
+                    <a:lumOff val="25000"/>
+                  </a:schemeClr>
+                </a:solidFill>
+              </a:rPr>
+              <a:t>We call a group of neuron a capsule and refer to the relation between them</a:t>
+            </a:r>
+            <a:r>
+              <a:rPr lang="en-US" b="1" dirty="0">
+                <a:solidFill>
+                  <a:schemeClr val="tx1">
+                    <a:lumMod val="75000"/>
+                    <a:lumOff val="25000"/>
+                  </a:schemeClr>
+                </a:solidFill>
+              </a:rPr>
+              <a:t> – </a:t>
+            </a:r>
+            <a:r>
+              <a:rPr lang="en-US" dirty="0">
+                <a:solidFill>
+                  <a:schemeClr val="tx1">
+                    <a:lumMod val="75000"/>
+                    <a:lumOff val="25000"/>
+                  </a:schemeClr>
+                </a:solidFill>
+              </a:rPr>
+              <a:t>coordinate frames gather to a vector, and an object is made from several parts and it only exist if all the parts exist in the proper manner </a:t>
+            </a:r>
+          </a:p>
+          <a:p>
+            <a:pPr>
+              <a:lnSpc>
+                <a:spcPct val="150000"/>
+              </a:lnSpc>
+            </a:pPr>
+            <a:endParaRPr lang="en-US" dirty="0">
+              <a:solidFill>
+                <a:schemeClr val="tx1">
+                  <a:lumMod val="75000"/>
+                  <a:lumOff val="25000"/>
+                </a:schemeClr>
+              </a:solidFill>
+            </a:endParaRPr>
+          </a:p>
+        </p:txBody>
+      </p:sp>
     </p:spTree>
     <p:extLst>
       <p:ext uri="{BB962C8B-B14F-4D97-AF65-F5344CB8AC3E}">
-        <p14:creationId xmlns:p14="http://schemas.microsoft.com/office/powerpoint/2010/main" val="1830783596"/>
+        <p14:creationId xmlns:p14="http://schemas.microsoft.com/office/powerpoint/2010/main" val="245834502"/>
       </p:ext>
     </p:extLst>
   </p:cSld>
   <p:clrMapOvr>
     <a:masterClrMapping/>
   </p:clrMapOvr>
-  <p:timing>
-    <p:tnLst>
-      <p:par>
-        <p:cTn id="1" dur="indefinite" restart="never" nodeType="tmRoot">
-          <p:childTnLst>
-            <p:seq concurrent="1" nextAc="seek">
-              <p:cTn id="2" dur="indefinite" nodeType="mainSeq">
-                <p:childTnLst>
-                  <p:par>
-                    <p:cTn id="3" fill="hold">
-                      <p:stCondLst>
-                        <p:cond delay="indefinite"/>
-                      </p:stCondLst>
-                      <p:childTnLst>
-                        <p:par>
-                          <p:cTn id="4" fill="hold">
-                            <p:stCondLst>
-                              <p:cond delay="0"/>
-                            </p:stCondLst>
-                            <p:childTnLst>
-                              <p:par>
-                                <p:cTn id="5" presetID="10" presetClass="entr" presetSubtype="0" fill="hold" nodeType="clickEffect">
-                                  <p:stCondLst>
-                                    <p:cond delay="0"/>
-                                  </p:stCondLst>
-                                  <p:childTnLst>
-                                    <p:set>
-                                      <p:cBhvr>
-                                        <p:cTn id="6" dur="1" fill="hold">
-                                          <p:stCondLst>
-                                            <p:cond delay="0"/>
-                                          </p:stCondLst>
-                                        </p:cTn>
-                                        <p:tgtEl>
-                                          <p:spTgt spid="11"/>
-                                        </p:tgtEl>
-                                        <p:attrNameLst>
-                                          <p:attrName>style.visibility</p:attrName>
-                                        </p:attrNameLst>
-                                      </p:cBhvr>
-                                      <p:to>
-                                        <p:strVal val="visible"/>
-                                      </p:to>
-                                    </p:set>
-                                    <p:animEffect transition="in" filter="fade">
-                                      <p:cBhvr>
-                                        <p:cTn id="7" dur="500"/>
-                                        <p:tgtEl>
-                                          <p:spTgt spid="11"/>
-                                        </p:tgtEl>
-                                      </p:cBhvr>
-                                    </p:animEffect>
-                                  </p:childTnLst>
-                                </p:cTn>
-                              </p:par>
-                            </p:childTnLst>
-                          </p:cTn>
-                        </p:par>
-                      </p:childTnLst>
-                    </p:cTn>
-                  </p:par>
-                </p:childTnLst>
-              </p:cTn>
-              <p:prevCondLst>
-                <p:cond evt="onPrev" delay="0">
-                  <p:tgtEl>
-                    <p:sldTgt/>
-                  </p:tgtEl>
-                </p:cond>
-              </p:prevCondLst>
-              <p:nextCondLst>
-                <p:cond evt="onNext" delay="0">
-                  <p:tgtEl>
-                    <p:sldTgt/>
-                  </p:tgtEl>
-                </p:cond>
-              </p:nextCondLst>
-            </p:seq>
-          </p:childTnLst>
-        </p:cTn>
-      </p:par>
-    </p:tnLst>
-  </p:timing>
 </p:sld>
 </file>
 
